--- a/Pr-sentation/Präsentation VoIP Andreas.pptx
+++ b/Pr-sentation/Präsentation VoIP Andreas.pptx
@@ -120,6 +120,9 @@
   <p:extLst>
     <p:ext uri="{EFAFB233-063F-42B5-8137-9DF3F51BA10A}">
       <p15:sldGuideLst xmlns:p15="http://schemas.microsoft.com/office/powerpoint/2012/main"/>
+    </p:ext>
+    <p:ext uri="{2D200454-40CA-4A62-9FC3-DE9A4176ACB9}">
+      <p15:notesGuideLst xmlns:p15="http://schemas.microsoft.com/office/powerpoint/2012/main"/>
     </p:ext>
   </p:extLst>
 </p:presentation>
@@ -9221,6 +9224,13 @@
         </dgm:presLayoutVars>
       </dgm:prSet>
       <dgm:spPr/>
+      <dgm:t>
+        <a:bodyPr/>
+        <a:lstStyle/>
+        <a:p>
+          <a:endParaRPr lang="de-DE"/>
+        </a:p>
+      </dgm:t>
     </dgm:pt>
     <dgm:pt modelId="{665AB65D-A8F9-48C0-97BE-C5B91FFDD844}" type="pres">
       <dgm:prSet presAssocID="{06933853-1F03-43B6-9E61-440B58282523}" presName="compNode" presStyleCnt="0"/>
@@ -9237,10 +9247,24 @@
         </dgm:presLayoutVars>
       </dgm:prSet>
       <dgm:spPr/>
+      <dgm:t>
+        <a:bodyPr/>
+        <a:lstStyle/>
+        <a:p>
+          <a:endParaRPr lang="de-DE"/>
+        </a:p>
+      </dgm:t>
     </dgm:pt>
     <dgm:pt modelId="{CC3F7B17-02C2-45DB-A426-75D167FA0DB3}" type="pres">
       <dgm:prSet presAssocID="{86C3E86B-49E0-4A59-A7AC-A306E1DCEFC0}" presName="sibTrans" presStyleLbl="sibTrans2D1" presStyleIdx="0" presStyleCnt="0"/>
       <dgm:spPr/>
+      <dgm:t>
+        <a:bodyPr/>
+        <a:lstStyle/>
+        <a:p>
+          <a:endParaRPr lang="de-DE"/>
+        </a:p>
+      </dgm:t>
     </dgm:pt>
     <dgm:pt modelId="{69497E95-D1C5-45A3-86BE-A4699FA07FA9}" type="pres">
       <dgm:prSet presAssocID="{EBB7DCD7-2DF9-41E2-B431-988812081016}" presName="compNode" presStyleCnt="0"/>
@@ -9257,10 +9281,24 @@
         </dgm:presLayoutVars>
       </dgm:prSet>
       <dgm:spPr/>
+      <dgm:t>
+        <a:bodyPr/>
+        <a:lstStyle/>
+        <a:p>
+          <a:endParaRPr lang="de-DE"/>
+        </a:p>
+      </dgm:t>
     </dgm:pt>
     <dgm:pt modelId="{A1B26224-958A-4100-8184-B6D16F33CB3F}" type="pres">
       <dgm:prSet presAssocID="{06BCAE7B-AD01-402F-99CA-DAE24411863B}" presName="sibTrans" presStyleLbl="sibTrans2D1" presStyleIdx="0" presStyleCnt="0"/>
       <dgm:spPr/>
+      <dgm:t>
+        <a:bodyPr/>
+        <a:lstStyle/>
+        <a:p>
+          <a:endParaRPr lang="de-DE"/>
+        </a:p>
+      </dgm:t>
     </dgm:pt>
     <dgm:pt modelId="{F246A948-7DB8-4428-9674-D0C80442825F}" type="pres">
       <dgm:prSet presAssocID="{CAF0861A-ED79-41C0-97C1-9F4EBB7DC753}" presName="compNode" presStyleCnt="0"/>
@@ -9277,18 +9315,25 @@
         </dgm:presLayoutVars>
       </dgm:prSet>
       <dgm:spPr/>
+      <dgm:t>
+        <a:bodyPr/>
+        <a:lstStyle/>
+        <a:p>
+          <a:endParaRPr lang="de-DE"/>
+        </a:p>
+      </dgm:t>
     </dgm:pt>
   </dgm:ptLst>
   <dgm:cxnLst>
-    <dgm:cxn modelId="{C539152D-440F-42AA-9283-BCED910391D2}" type="presOf" srcId="{06BCAE7B-AD01-402F-99CA-DAE24411863B}" destId="{A1B26224-958A-4100-8184-B6D16F33CB3F}" srcOrd="0" destOrd="0" presId="urn:microsoft.com/office/officeart/2005/8/layout/pList1"/>
-    <dgm:cxn modelId="{B82CB63E-1A6B-440C-9B8E-C4BFB5957AA5}" type="presOf" srcId="{EBB7DCD7-2DF9-41E2-B431-988812081016}" destId="{FAC60410-F164-44B9-9F67-ECD42B965B65}" srcOrd="0" destOrd="0" presId="urn:microsoft.com/office/officeart/2005/8/layout/pList1"/>
-    <dgm:cxn modelId="{EA4F385B-8B21-4703-9BDF-D462AFFD5B4A}" type="presOf" srcId="{93AE6397-FB63-4B6E-87AC-E1B76790274B}" destId="{7262644E-75C9-4D7D-9ED0-9EEF855BC5EE}" srcOrd="0" destOrd="0" presId="urn:microsoft.com/office/officeart/2005/8/layout/pList1"/>
-    <dgm:cxn modelId="{3DD48384-A29D-4CCC-BC92-0F5AF8598E96}" srcId="{93AE6397-FB63-4B6E-87AC-E1B76790274B}" destId="{EBB7DCD7-2DF9-41E2-B431-988812081016}" srcOrd="1" destOrd="0" parTransId="{B573A9C7-0DCB-4625-8820-58EDB2698B5D}" sibTransId="{06BCAE7B-AD01-402F-99CA-DAE24411863B}"/>
     <dgm:cxn modelId="{4BBD8E89-B0ED-43B5-AFD3-FDA175EDE083}" type="presOf" srcId="{86C3E86B-49E0-4A59-A7AC-A306E1DCEFC0}" destId="{CC3F7B17-02C2-45DB-A426-75D167FA0DB3}" srcOrd="0" destOrd="0" presId="urn:microsoft.com/office/officeart/2005/8/layout/pList1"/>
     <dgm:cxn modelId="{A10023A4-9FDD-4532-9B9C-BD8B713E568B}" type="presOf" srcId="{06933853-1F03-43B6-9E61-440B58282523}" destId="{B5EFFBE3-D35F-4DE3-AEA7-E6503E9604BC}" srcOrd="0" destOrd="0" presId="urn:microsoft.com/office/officeart/2005/8/layout/pList1"/>
     <dgm:cxn modelId="{F556ADA8-C417-4194-B2A9-71313DCEE2E2}" srcId="{93AE6397-FB63-4B6E-87AC-E1B76790274B}" destId="{CAF0861A-ED79-41C0-97C1-9F4EBB7DC753}" srcOrd="2" destOrd="0" parTransId="{3405BE48-B91D-4636-A136-3993731A964D}" sibTransId="{0D991701-6A8A-4347-85B9-D5F6BCFE192B}"/>
+    <dgm:cxn modelId="{EA4F385B-8B21-4703-9BDF-D462AFFD5B4A}" type="presOf" srcId="{93AE6397-FB63-4B6E-87AC-E1B76790274B}" destId="{7262644E-75C9-4D7D-9ED0-9EEF855BC5EE}" srcOrd="0" destOrd="0" presId="urn:microsoft.com/office/officeart/2005/8/layout/pList1"/>
+    <dgm:cxn modelId="{1B8F44B6-2BEA-44B5-B914-0BBE9826D919}" type="presOf" srcId="{CAF0861A-ED79-41C0-97C1-9F4EBB7DC753}" destId="{A9FF3DC2-0B00-4B74-B7C8-3EC4CAB8D990}" srcOrd="0" destOrd="0" presId="urn:microsoft.com/office/officeart/2005/8/layout/pList1"/>
+    <dgm:cxn modelId="{3DD48384-A29D-4CCC-BC92-0F5AF8598E96}" srcId="{93AE6397-FB63-4B6E-87AC-E1B76790274B}" destId="{EBB7DCD7-2DF9-41E2-B431-988812081016}" srcOrd="1" destOrd="0" parTransId="{B573A9C7-0DCB-4625-8820-58EDB2698B5D}" sibTransId="{06BCAE7B-AD01-402F-99CA-DAE24411863B}"/>
     <dgm:cxn modelId="{ECD0DAB5-1D82-427A-AEC4-CA8E9172CAD5}" srcId="{93AE6397-FB63-4B6E-87AC-E1B76790274B}" destId="{06933853-1F03-43B6-9E61-440B58282523}" srcOrd="0" destOrd="0" parTransId="{9344E131-D19C-4E7A-96FF-CAE059C2770A}" sibTransId="{86C3E86B-49E0-4A59-A7AC-A306E1DCEFC0}"/>
-    <dgm:cxn modelId="{1B8F44B6-2BEA-44B5-B914-0BBE9826D919}" type="presOf" srcId="{CAF0861A-ED79-41C0-97C1-9F4EBB7DC753}" destId="{A9FF3DC2-0B00-4B74-B7C8-3EC4CAB8D990}" srcOrd="0" destOrd="0" presId="urn:microsoft.com/office/officeart/2005/8/layout/pList1"/>
+    <dgm:cxn modelId="{C539152D-440F-42AA-9283-BCED910391D2}" type="presOf" srcId="{06BCAE7B-AD01-402F-99CA-DAE24411863B}" destId="{A1B26224-958A-4100-8184-B6D16F33CB3F}" srcOrd="0" destOrd="0" presId="urn:microsoft.com/office/officeart/2005/8/layout/pList1"/>
+    <dgm:cxn modelId="{B82CB63E-1A6B-440C-9B8E-C4BFB5957AA5}" type="presOf" srcId="{EBB7DCD7-2DF9-41E2-B431-988812081016}" destId="{FAC60410-F164-44B9-9F67-ECD42B965B65}" srcOrd="0" destOrd="0" presId="urn:microsoft.com/office/officeart/2005/8/layout/pList1"/>
     <dgm:cxn modelId="{D0E6A480-8624-41D9-A646-8DB4E50A76D1}" type="presParOf" srcId="{7262644E-75C9-4D7D-9ED0-9EEF855BC5EE}" destId="{665AB65D-A8F9-48C0-97BE-C5B91FFDD844}" srcOrd="0" destOrd="0" presId="urn:microsoft.com/office/officeart/2005/8/layout/pList1"/>
     <dgm:cxn modelId="{C2B8DE23-9CD0-4D1A-B629-2A51EA0E52AA}" type="presParOf" srcId="{665AB65D-A8F9-48C0-97BE-C5B91FFDD844}" destId="{749E9833-CBD2-46AD-9D3D-8603A8E8FD91}" srcOrd="0" destOrd="0" presId="urn:microsoft.com/office/officeart/2005/8/layout/pList1"/>
     <dgm:cxn modelId="{CF898FBD-87F3-4A8F-B122-394AC1C38684}" type="presParOf" srcId="{665AB65D-A8F9-48C0-97BE-C5B91FFDD844}" destId="{B5EFFBE3-D35F-4DE3-AEA7-E6503E9604BC}" srcOrd="1" destOrd="0" presId="urn:microsoft.com/office/officeart/2005/8/layout/pList1"/>
@@ -9497,6 +9542,13 @@
         </dgm:presLayoutVars>
       </dgm:prSet>
       <dgm:spPr/>
+      <dgm:t>
+        <a:bodyPr/>
+        <a:lstStyle/>
+        <a:p>
+          <a:endParaRPr lang="de-DE"/>
+        </a:p>
+      </dgm:t>
     </dgm:pt>
     <dgm:pt modelId="{4B08C288-FC56-4C20-A767-71E4FC5ADBBF}" type="pres">
       <dgm:prSet presAssocID="{52E01D98-44B1-4D2F-A7FF-963E297960E8}" presName="parTxOnlySpace" presStyleCnt="0"/>
@@ -9511,6 +9563,13 @@
         </dgm:presLayoutVars>
       </dgm:prSet>
       <dgm:spPr/>
+      <dgm:t>
+        <a:bodyPr/>
+        <a:lstStyle/>
+        <a:p>
+          <a:endParaRPr lang="de-DE"/>
+        </a:p>
+      </dgm:t>
     </dgm:pt>
     <dgm:pt modelId="{8837ECAE-E76A-4B2D-837A-FBEA7F843E24}" type="pres">
       <dgm:prSet presAssocID="{83290885-A745-453F-9D24-551F2D5E36EE}" presName="parTxOnlySpace" presStyleCnt="0"/>
@@ -9525,6 +9584,13 @@
         </dgm:presLayoutVars>
       </dgm:prSet>
       <dgm:spPr/>
+      <dgm:t>
+        <a:bodyPr/>
+        <a:lstStyle/>
+        <a:p>
+          <a:endParaRPr lang="de-DE"/>
+        </a:p>
+      </dgm:t>
     </dgm:pt>
     <dgm:pt modelId="{3D117A13-58B7-4149-AEAD-96A80E29910E}" type="pres">
       <dgm:prSet presAssocID="{E764366A-2BC8-4F96-B97B-0FAFCFB198B1}" presName="parTxOnlySpace" presStyleCnt="0"/>
@@ -9539,18 +9605,25 @@
         </dgm:presLayoutVars>
       </dgm:prSet>
       <dgm:spPr/>
+      <dgm:t>
+        <a:bodyPr/>
+        <a:lstStyle/>
+        <a:p>
+          <a:endParaRPr lang="de-DE"/>
+        </a:p>
+      </dgm:t>
     </dgm:pt>
   </dgm:ptLst>
   <dgm:cxnLst>
+    <dgm:cxn modelId="{3BE170A5-6C02-432A-A83F-29AC475419FD}" srcId="{F380FDE7-EFA6-4059-9845-CE6EDA216FE6}" destId="{1B474F9A-EA7C-462A-8838-F58BDA1F2819}" srcOrd="1" destOrd="0" parTransId="{F655AFC7-9907-4C92-92A3-FA0EB63BD0D4}" sibTransId="{83290885-A745-453F-9D24-551F2D5E36EE}"/>
+    <dgm:cxn modelId="{1F8D92F0-64C1-4B89-88A6-08F1F4DD5B28}" type="presOf" srcId="{1EA81A8D-4780-45BF-96C4-65176CCC56F7}" destId="{F7AC5948-3111-4D84-B4CB-496EEE749521}" srcOrd="0" destOrd="0" presId="urn:microsoft.com/office/officeart/2005/8/layout/chevron1"/>
+    <dgm:cxn modelId="{FC1F5543-964F-46B8-85DD-2DBA471525F3}" type="presOf" srcId="{1B474F9A-EA7C-462A-8838-F58BDA1F2819}" destId="{008AA319-A465-4CAC-BC58-757F657DBD40}" srcOrd="0" destOrd="0" presId="urn:microsoft.com/office/officeart/2005/8/layout/chevron1"/>
     <dgm:cxn modelId="{1953B909-29FA-4426-9F98-BEFD444AB4E6}" srcId="{F380FDE7-EFA6-4059-9845-CE6EDA216FE6}" destId="{1EA81A8D-4780-45BF-96C4-65176CCC56F7}" srcOrd="2" destOrd="0" parTransId="{F016153F-1725-4825-9359-306E58A5A52D}" sibTransId="{E764366A-2BC8-4F96-B97B-0FAFCFB198B1}"/>
+    <dgm:cxn modelId="{50583AB4-6588-4FDD-B9A5-D4F7DE9D7078}" type="presOf" srcId="{57039555-1564-4D48-80B0-23FC06EB42CA}" destId="{03A98877-0CC6-4CE1-BCE9-350807759886}" srcOrd="0" destOrd="0" presId="urn:microsoft.com/office/officeart/2005/8/layout/chevron1"/>
+    <dgm:cxn modelId="{E5BEA05C-3F95-42DA-AE7F-16D672D768E8}" type="presOf" srcId="{BC60D4DB-7D70-46F2-86E5-3A302FFA0213}" destId="{ADC49C50-2D7F-44A7-A17B-E33BE20372C7}" srcOrd="0" destOrd="0" presId="urn:microsoft.com/office/officeart/2005/8/layout/chevron1"/>
     <dgm:cxn modelId="{345EB432-D9DE-4BEB-BC90-2DB6B2140E63}" srcId="{F380FDE7-EFA6-4059-9845-CE6EDA216FE6}" destId="{BC60D4DB-7D70-46F2-86E5-3A302FFA0213}" srcOrd="0" destOrd="0" parTransId="{F861D1D3-BCD6-49E0-9A21-98B426A32826}" sibTransId="{52E01D98-44B1-4D2F-A7FF-963E297960E8}"/>
-    <dgm:cxn modelId="{E5BEA05C-3F95-42DA-AE7F-16D672D768E8}" type="presOf" srcId="{BC60D4DB-7D70-46F2-86E5-3A302FFA0213}" destId="{ADC49C50-2D7F-44A7-A17B-E33BE20372C7}" srcOrd="0" destOrd="0" presId="urn:microsoft.com/office/officeart/2005/8/layout/chevron1"/>
-    <dgm:cxn modelId="{FC1F5543-964F-46B8-85DD-2DBA471525F3}" type="presOf" srcId="{1B474F9A-EA7C-462A-8838-F58BDA1F2819}" destId="{008AA319-A465-4CAC-BC58-757F657DBD40}" srcOrd="0" destOrd="0" presId="urn:microsoft.com/office/officeart/2005/8/layout/chevron1"/>
+    <dgm:cxn modelId="{1A2ED3B9-0607-422D-8AB6-F0628C376FC1}" type="presOf" srcId="{F380FDE7-EFA6-4059-9845-CE6EDA216FE6}" destId="{0D8A5709-CD44-4C5A-A6B5-4D06C6C74647}" srcOrd="0" destOrd="0" presId="urn:microsoft.com/office/officeart/2005/8/layout/chevron1"/>
     <dgm:cxn modelId="{891CAC89-79A1-47AE-8780-951D2C716CB7}" srcId="{F380FDE7-EFA6-4059-9845-CE6EDA216FE6}" destId="{57039555-1564-4D48-80B0-23FC06EB42CA}" srcOrd="3" destOrd="0" parTransId="{9558D8C6-728D-434F-9A9D-4860312DDE22}" sibTransId="{7487F19D-A320-4C7B-960A-986A975690BA}"/>
-    <dgm:cxn modelId="{3BE170A5-6C02-432A-A83F-29AC475419FD}" srcId="{F380FDE7-EFA6-4059-9845-CE6EDA216FE6}" destId="{1B474F9A-EA7C-462A-8838-F58BDA1F2819}" srcOrd="1" destOrd="0" parTransId="{F655AFC7-9907-4C92-92A3-FA0EB63BD0D4}" sibTransId="{83290885-A745-453F-9D24-551F2D5E36EE}"/>
-    <dgm:cxn modelId="{50583AB4-6588-4FDD-B9A5-D4F7DE9D7078}" type="presOf" srcId="{57039555-1564-4D48-80B0-23FC06EB42CA}" destId="{03A98877-0CC6-4CE1-BCE9-350807759886}" srcOrd="0" destOrd="0" presId="urn:microsoft.com/office/officeart/2005/8/layout/chevron1"/>
-    <dgm:cxn modelId="{1A2ED3B9-0607-422D-8AB6-F0628C376FC1}" type="presOf" srcId="{F380FDE7-EFA6-4059-9845-CE6EDA216FE6}" destId="{0D8A5709-CD44-4C5A-A6B5-4D06C6C74647}" srcOrd="0" destOrd="0" presId="urn:microsoft.com/office/officeart/2005/8/layout/chevron1"/>
-    <dgm:cxn modelId="{1F8D92F0-64C1-4B89-88A6-08F1F4DD5B28}" type="presOf" srcId="{1EA81A8D-4780-45BF-96C4-65176CCC56F7}" destId="{F7AC5948-3111-4D84-B4CB-496EEE749521}" srcOrd="0" destOrd="0" presId="urn:microsoft.com/office/officeart/2005/8/layout/chevron1"/>
     <dgm:cxn modelId="{BE28E16B-B110-437C-AE0C-B89BBF7F61F9}" type="presParOf" srcId="{0D8A5709-CD44-4C5A-A6B5-4D06C6C74647}" destId="{ADC49C50-2D7F-44A7-A17B-E33BE20372C7}" srcOrd="0" destOrd="0" presId="urn:microsoft.com/office/officeart/2005/8/layout/chevron1"/>
     <dgm:cxn modelId="{69019FA6-57EB-4D38-9EBB-2B471D73ED0A}" type="presParOf" srcId="{0D8A5709-CD44-4C5A-A6B5-4D06C6C74647}" destId="{4B08C288-FC56-4C20-A767-71E4FC5ADBBF}" srcOrd="1" destOrd="0" presId="urn:microsoft.com/office/officeart/2005/8/layout/chevron1"/>
     <dgm:cxn modelId="{21153AE9-2F6C-46FD-AF55-6729857C6A58}" type="presParOf" srcId="{0D8A5709-CD44-4C5A-A6B5-4D06C6C74647}" destId="{008AA319-A465-4CAC-BC58-757F657DBD40}" srcOrd="2" destOrd="0" presId="urn:microsoft.com/office/officeart/2005/8/layout/chevron1"/>
@@ -9759,6 +9832,13 @@
         </dgm:presLayoutVars>
       </dgm:prSet>
       <dgm:spPr/>
+      <dgm:t>
+        <a:bodyPr/>
+        <a:lstStyle/>
+        <a:p>
+          <a:endParaRPr lang="de-DE"/>
+        </a:p>
+      </dgm:t>
     </dgm:pt>
     <dgm:pt modelId="{4B08C288-FC56-4C20-A767-71E4FC5ADBBF}" type="pres">
       <dgm:prSet presAssocID="{52E01D98-44B1-4D2F-A7FF-963E297960E8}" presName="parTxOnlySpace" presStyleCnt="0"/>
@@ -9773,6 +9853,13 @@
         </dgm:presLayoutVars>
       </dgm:prSet>
       <dgm:spPr/>
+      <dgm:t>
+        <a:bodyPr/>
+        <a:lstStyle/>
+        <a:p>
+          <a:endParaRPr lang="de-DE"/>
+        </a:p>
+      </dgm:t>
     </dgm:pt>
     <dgm:pt modelId="{8837ECAE-E76A-4B2D-837A-FBEA7F843E24}" type="pres">
       <dgm:prSet presAssocID="{83290885-A745-453F-9D24-551F2D5E36EE}" presName="parTxOnlySpace" presStyleCnt="0"/>
@@ -9787,6 +9874,13 @@
         </dgm:presLayoutVars>
       </dgm:prSet>
       <dgm:spPr/>
+      <dgm:t>
+        <a:bodyPr/>
+        <a:lstStyle/>
+        <a:p>
+          <a:endParaRPr lang="de-DE"/>
+        </a:p>
+      </dgm:t>
     </dgm:pt>
     <dgm:pt modelId="{3D117A13-58B7-4149-AEAD-96A80E29910E}" type="pres">
       <dgm:prSet presAssocID="{E764366A-2BC8-4F96-B97B-0FAFCFB198B1}" presName="parTxOnlySpace" presStyleCnt="0"/>
@@ -9801,18 +9895,25 @@
         </dgm:presLayoutVars>
       </dgm:prSet>
       <dgm:spPr/>
+      <dgm:t>
+        <a:bodyPr/>
+        <a:lstStyle/>
+        <a:p>
+          <a:endParaRPr lang="de-DE"/>
+        </a:p>
+      </dgm:t>
     </dgm:pt>
   </dgm:ptLst>
   <dgm:cxnLst>
+    <dgm:cxn modelId="{3BE170A5-6C02-432A-A83F-29AC475419FD}" srcId="{F380FDE7-EFA6-4059-9845-CE6EDA216FE6}" destId="{1B474F9A-EA7C-462A-8838-F58BDA1F2819}" srcOrd="1" destOrd="0" parTransId="{F655AFC7-9907-4C92-92A3-FA0EB63BD0D4}" sibTransId="{83290885-A745-453F-9D24-551F2D5E36EE}"/>
+    <dgm:cxn modelId="{1F8D92F0-64C1-4B89-88A6-08F1F4DD5B28}" type="presOf" srcId="{1EA81A8D-4780-45BF-96C4-65176CCC56F7}" destId="{F7AC5948-3111-4D84-B4CB-496EEE749521}" srcOrd="0" destOrd="0" presId="urn:microsoft.com/office/officeart/2005/8/layout/chevron1"/>
+    <dgm:cxn modelId="{FC1F5543-964F-46B8-85DD-2DBA471525F3}" type="presOf" srcId="{1B474F9A-EA7C-462A-8838-F58BDA1F2819}" destId="{008AA319-A465-4CAC-BC58-757F657DBD40}" srcOrd="0" destOrd="0" presId="urn:microsoft.com/office/officeart/2005/8/layout/chevron1"/>
     <dgm:cxn modelId="{1953B909-29FA-4426-9F98-BEFD444AB4E6}" srcId="{F380FDE7-EFA6-4059-9845-CE6EDA216FE6}" destId="{1EA81A8D-4780-45BF-96C4-65176CCC56F7}" srcOrd="2" destOrd="0" parTransId="{F016153F-1725-4825-9359-306E58A5A52D}" sibTransId="{E764366A-2BC8-4F96-B97B-0FAFCFB198B1}"/>
+    <dgm:cxn modelId="{50583AB4-6588-4FDD-B9A5-D4F7DE9D7078}" type="presOf" srcId="{57039555-1564-4D48-80B0-23FC06EB42CA}" destId="{03A98877-0CC6-4CE1-BCE9-350807759886}" srcOrd="0" destOrd="0" presId="urn:microsoft.com/office/officeart/2005/8/layout/chevron1"/>
+    <dgm:cxn modelId="{E5BEA05C-3F95-42DA-AE7F-16D672D768E8}" type="presOf" srcId="{BC60D4DB-7D70-46F2-86E5-3A302FFA0213}" destId="{ADC49C50-2D7F-44A7-A17B-E33BE20372C7}" srcOrd="0" destOrd="0" presId="urn:microsoft.com/office/officeart/2005/8/layout/chevron1"/>
     <dgm:cxn modelId="{345EB432-D9DE-4BEB-BC90-2DB6B2140E63}" srcId="{F380FDE7-EFA6-4059-9845-CE6EDA216FE6}" destId="{BC60D4DB-7D70-46F2-86E5-3A302FFA0213}" srcOrd="0" destOrd="0" parTransId="{F861D1D3-BCD6-49E0-9A21-98B426A32826}" sibTransId="{52E01D98-44B1-4D2F-A7FF-963E297960E8}"/>
-    <dgm:cxn modelId="{E5BEA05C-3F95-42DA-AE7F-16D672D768E8}" type="presOf" srcId="{BC60D4DB-7D70-46F2-86E5-3A302FFA0213}" destId="{ADC49C50-2D7F-44A7-A17B-E33BE20372C7}" srcOrd="0" destOrd="0" presId="urn:microsoft.com/office/officeart/2005/8/layout/chevron1"/>
-    <dgm:cxn modelId="{FC1F5543-964F-46B8-85DD-2DBA471525F3}" type="presOf" srcId="{1B474F9A-EA7C-462A-8838-F58BDA1F2819}" destId="{008AA319-A465-4CAC-BC58-757F657DBD40}" srcOrd="0" destOrd="0" presId="urn:microsoft.com/office/officeart/2005/8/layout/chevron1"/>
+    <dgm:cxn modelId="{1A2ED3B9-0607-422D-8AB6-F0628C376FC1}" type="presOf" srcId="{F380FDE7-EFA6-4059-9845-CE6EDA216FE6}" destId="{0D8A5709-CD44-4C5A-A6B5-4D06C6C74647}" srcOrd="0" destOrd="0" presId="urn:microsoft.com/office/officeart/2005/8/layout/chevron1"/>
     <dgm:cxn modelId="{891CAC89-79A1-47AE-8780-951D2C716CB7}" srcId="{F380FDE7-EFA6-4059-9845-CE6EDA216FE6}" destId="{57039555-1564-4D48-80B0-23FC06EB42CA}" srcOrd="3" destOrd="0" parTransId="{9558D8C6-728D-434F-9A9D-4860312DDE22}" sibTransId="{7487F19D-A320-4C7B-960A-986A975690BA}"/>
-    <dgm:cxn modelId="{3BE170A5-6C02-432A-A83F-29AC475419FD}" srcId="{F380FDE7-EFA6-4059-9845-CE6EDA216FE6}" destId="{1B474F9A-EA7C-462A-8838-F58BDA1F2819}" srcOrd="1" destOrd="0" parTransId="{F655AFC7-9907-4C92-92A3-FA0EB63BD0D4}" sibTransId="{83290885-A745-453F-9D24-551F2D5E36EE}"/>
-    <dgm:cxn modelId="{50583AB4-6588-4FDD-B9A5-D4F7DE9D7078}" type="presOf" srcId="{57039555-1564-4D48-80B0-23FC06EB42CA}" destId="{03A98877-0CC6-4CE1-BCE9-350807759886}" srcOrd="0" destOrd="0" presId="urn:microsoft.com/office/officeart/2005/8/layout/chevron1"/>
-    <dgm:cxn modelId="{1A2ED3B9-0607-422D-8AB6-F0628C376FC1}" type="presOf" srcId="{F380FDE7-EFA6-4059-9845-CE6EDA216FE6}" destId="{0D8A5709-CD44-4C5A-A6B5-4D06C6C74647}" srcOrd="0" destOrd="0" presId="urn:microsoft.com/office/officeart/2005/8/layout/chevron1"/>
-    <dgm:cxn modelId="{1F8D92F0-64C1-4B89-88A6-08F1F4DD5B28}" type="presOf" srcId="{1EA81A8D-4780-45BF-96C4-65176CCC56F7}" destId="{F7AC5948-3111-4D84-B4CB-496EEE749521}" srcOrd="0" destOrd="0" presId="urn:microsoft.com/office/officeart/2005/8/layout/chevron1"/>
     <dgm:cxn modelId="{BE28E16B-B110-437C-AE0C-B89BBF7F61F9}" type="presParOf" srcId="{0D8A5709-CD44-4C5A-A6B5-4D06C6C74647}" destId="{ADC49C50-2D7F-44A7-A17B-E33BE20372C7}" srcOrd="0" destOrd="0" presId="urn:microsoft.com/office/officeart/2005/8/layout/chevron1"/>
     <dgm:cxn modelId="{69019FA6-57EB-4D38-9EBB-2B471D73ED0A}" type="presParOf" srcId="{0D8A5709-CD44-4C5A-A6B5-4D06C6C74647}" destId="{4B08C288-FC56-4C20-A767-71E4FC5ADBBF}" srcOrd="1" destOrd="0" presId="urn:microsoft.com/office/officeart/2005/8/layout/chevron1"/>
     <dgm:cxn modelId="{21153AE9-2F6C-46FD-AF55-6729857C6A58}" type="presParOf" srcId="{0D8A5709-CD44-4C5A-A6B5-4D06C6C74647}" destId="{008AA319-A465-4CAC-BC58-757F657DBD40}" srcOrd="2" destOrd="0" presId="urn:microsoft.com/office/officeart/2005/8/layout/chevron1"/>
@@ -10021,6 +10122,13 @@
         </dgm:presLayoutVars>
       </dgm:prSet>
       <dgm:spPr/>
+      <dgm:t>
+        <a:bodyPr/>
+        <a:lstStyle/>
+        <a:p>
+          <a:endParaRPr lang="de-DE"/>
+        </a:p>
+      </dgm:t>
     </dgm:pt>
     <dgm:pt modelId="{4B08C288-FC56-4C20-A767-71E4FC5ADBBF}" type="pres">
       <dgm:prSet presAssocID="{52E01D98-44B1-4D2F-A7FF-963E297960E8}" presName="parTxOnlySpace" presStyleCnt="0"/>
@@ -10035,6 +10143,13 @@
         </dgm:presLayoutVars>
       </dgm:prSet>
       <dgm:spPr/>
+      <dgm:t>
+        <a:bodyPr/>
+        <a:lstStyle/>
+        <a:p>
+          <a:endParaRPr lang="de-DE"/>
+        </a:p>
+      </dgm:t>
     </dgm:pt>
     <dgm:pt modelId="{8837ECAE-E76A-4B2D-837A-FBEA7F843E24}" type="pres">
       <dgm:prSet presAssocID="{83290885-A745-453F-9D24-551F2D5E36EE}" presName="parTxOnlySpace" presStyleCnt="0"/>
@@ -10049,6 +10164,13 @@
         </dgm:presLayoutVars>
       </dgm:prSet>
       <dgm:spPr/>
+      <dgm:t>
+        <a:bodyPr/>
+        <a:lstStyle/>
+        <a:p>
+          <a:endParaRPr lang="de-DE"/>
+        </a:p>
+      </dgm:t>
     </dgm:pt>
     <dgm:pt modelId="{3D117A13-58B7-4149-AEAD-96A80E29910E}" type="pres">
       <dgm:prSet presAssocID="{E764366A-2BC8-4F96-B97B-0FAFCFB198B1}" presName="parTxOnlySpace" presStyleCnt="0"/>
@@ -10063,18 +10185,25 @@
         </dgm:presLayoutVars>
       </dgm:prSet>
       <dgm:spPr/>
+      <dgm:t>
+        <a:bodyPr/>
+        <a:lstStyle/>
+        <a:p>
+          <a:endParaRPr lang="de-DE"/>
+        </a:p>
+      </dgm:t>
     </dgm:pt>
   </dgm:ptLst>
   <dgm:cxnLst>
+    <dgm:cxn modelId="{3BE170A5-6C02-432A-A83F-29AC475419FD}" srcId="{F380FDE7-EFA6-4059-9845-CE6EDA216FE6}" destId="{1B474F9A-EA7C-462A-8838-F58BDA1F2819}" srcOrd="1" destOrd="0" parTransId="{F655AFC7-9907-4C92-92A3-FA0EB63BD0D4}" sibTransId="{83290885-A745-453F-9D24-551F2D5E36EE}"/>
+    <dgm:cxn modelId="{1F8D92F0-64C1-4B89-88A6-08F1F4DD5B28}" type="presOf" srcId="{1EA81A8D-4780-45BF-96C4-65176CCC56F7}" destId="{F7AC5948-3111-4D84-B4CB-496EEE749521}" srcOrd="0" destOrd="0" presId="urn:microsoft.com/office/officeart/2005/8/layout/chevron1"/>
+    <dgm:cxn modelId="{FC1F5543-964F-46B8-85DD-2DBA471525F3}" type="presOf" srcId="{1B474F9A-EA7C-462A-8838-F58BDA1F2819}" destId="{008AA319-A465-4CAC-BC58-757F657DBD40}" srcOrd="0" destOrd="0" presId="urn:microsoft.com/office/officeart/2005/8/layout/chevron1"/>
     <dgm:cxn modelId="{1953B909-29FA-4426-9F98-BEFD444AB4E6}" srcId="{F380FDE7-EFA6-4059-9845-CE6EDA216FE6}" destId="{1EA81A8D-4780-45BF-96C4-65176CCC56F7}" srcOrd="2" destOrd="0" parTransId="{F016153F-1725-4825-9359-306E58A5A52D}" sibTransId="{E764366A-2BC8-4F96-B97B-0FAFCFB198B1}"/>
+    <dgm:cxn modelId="{50583AB4-6588-4FDD-B9A5-D4F7DE9D7078}" type="presOf" srcId="{57039555-1564-4D48-80B0-23FC06EB42CA}" destId="{03A98877-0CC6-4CE1-BCE9-350807759886}" srcOrd="0" destOrd="0" presId="urn:microsoft.com/office/officeart/2005/8/layout/chevron1"/>
+    <dgm:cxn modelId="{E5BEA05C-3F95-42DA-AE7F-16D672D768E8}" type="presOf" srcId="{BC60D4DB-7D70-46F2-86E5-3A302FFA0213}" destId="{ADC49C50-2D7F-44A7-A17B-E33BE20372C7}" srcOrd="0" destOrd="0" presId="urn:microsoft.com/office/officeart/2005/8/layout/chevron1"/>
     <dgm:cxn modelId="{345EB432-D9DE-4BEB-BC90-2DB6B2140E63}" srcId="{F380FDE7-EFA6-4059-9845-CE6EDA216FE6}" destId="{BC60D4DB-7D70-46F2-86E5-3A302FFA0213}" srcOrd="0" destOrd="0" parTransId="{F861D1D3-BCD6-49E0-9A21-98B426A32826}" sibTransId="{52E01D98-44B1-4D2F-A7FF-963E297960E8}"/>
-    <dgm:cxn modelId="{E5BEA05C-3F95-42DA-AE7F-16D672D768E8}" type="presOf" srcId="{BC60D4DB-7D70-46F2-86E5-3A302FFA0213}" destId="{ADC49C50-2D7F-44A7-A17B-E33BE20372C7}" srcOrd="0" destOrd="0" presId="urn:microsoft.com/office/officeart/2005/8/layout/chevron1"/>
-    <dgm:cxn modelId="{FC1F5543-964F-46B8-85DD-2DBA471525F3}" type="presOf" srcId="{1B474F9A-EA7C-462A-8838-F58BDA1F2819}" destId="{008AA319-A465-4CAC-BC58-757F657DBD40}" srcOrd="0" destOrd="0" presId="urn:microsoft.com/office/officeart/2005/8/layout/chevron1"/>
+    <dgm:cxn modelId="{1A2ED3B9-0607-422D-8AB6-F0628C376FC1}" type="presOf" srcId="{F380FDE7-EFA6-4059-9845-CE6EDA216FE6}" destId="{0D8A5709-CD44-4C5A-A6B5-4D06C6C74647}" srcOrd="0" destOrd="0" presId="urn:microsoft.com/office/officeart/2005/8/layout/chevron1"/>
     <dgm:cxn modelId="{891CAC89-79A1-47AE-8780-951D2C716CB7}" srcId="{F380FDE7-EFA6-4059-9845-CE6EDA216FE6}" destId="{57039555-1564-4D48-80B0-23FC06EB42CA}" srcOrd="3" destOrd="0" parTransId="{9558D8C6-728D-434F-9A9D-4860312DDE22}" sibTransId="{7487F19D-A320-4C7B-960A-986A975690BA}"/>
-    <dgm:cxn modelId="{3BE170A5-6C02-432A-A83F-29AC475419FD}" srcId="{F380FDE7-EFA6-4059-9845-CE6EDA216FE6}" destId="{1B474F9A-EA7C-462A-8838-F58BDA1F2819}" srcOrd="1" destOrd="0" parTransId="{F655AFC7-9907-4C92-92A3-FA0EB63BD0D4}" sibTransId="{83290885-A745-453F-9D24-551F2D5E36EE}"/>
-    <dgm:cxn modelId="{50583AB4-6588-4FDD-B9A5-D4F7DE9D7078}" type="presOf" srcId="{57039555-1564-4D48-80B0-23FC06EB42CA}" destId="{03A98877-0CC6-4CE1-BCE9-350807759886}" srcOrd="0" destOrd="0" presId="urn:microsoft.com/office/officeart/2005/8/layout/chevron1"/>
-    <dgm:cxn modelId="{1A2ED3B9-0607-422D-8AB6-F0628C376FC1}" type="presOf" srcId="{F380FDE7-EFA6-4059-9845-CE6EDA216FE6}" destId="{0D8A5709-CD44-4C5A-A6B5-4D06C6C74647}" srcOrd="0" destOrd="0" presId="urn:microsoft.com/office/officeart/2005/8/layout/chevron1"/>
-    <dgm:cxn modelId="{1F8D92F0-64C1-4B89-88A6-08F1F4DD5B28}" type="presOf" srcId="{1EA81A8D-4780-45BF-96C4-65176CCC56F7}" destId="{F7AC5948-3111-4D84-B4CB-496EEE749521}" srcOrd="0" destOrd="0" presId="urn:microsoft.com/office/officeart/2005/8/layout/chevron1"/>
     <dgm:cxn modelId="{BE28E16B-B110-437C-AE0C-B89BBF7F61F9}" type="presParOf" srcId="{0D8A5709-CD44-4C5A-A6B5-4D06C6C74647}" destId="{ADC49C50-2D7F-44A7-A17B-E33BE20372C7}" srcOrd="0" destOrd="0" presId="urn:microsoft.com/office/officeart/2005/8/layout/chevron1"/>
     <dgm:cxn modelId="{69019FA6-57EB-4D38-9EBB-2B471D73ED0A}" type="presParOf" srcId="{0D8A5709-CD44-4C5A-A6B5-4D06C6C74647}" destId="{4B08C288-FC56-4C20-A767-71E4FC5ADBBF}" srcOrd="1" destOrd="0" presId="urn:microsoft.com/office/officeart/2005/8/layout/chevron1"/>
     <dgm:cxn modelId="{21153AE9-2F6C-46FD-AF55-6729857C6A58}" type="presParOf" srcId="{0D8A5709-CD44-4C5A-A6B5-4D06C6C74647}" destId="{008AA319-A465-4CAC-BC58-757F657DBD40}" srcOrd="2" destOrd="0" presId="urn:microsoft.com/office/officeart/2005/8/layout/chevron1"/>
@@ -10283,6 +10412,13 @@
         </dgm:presLayoutVars>
       </dgm:prSet>
       <dgm:spPr/>
+      <dgm:t>
+        <a:bodyPr/>
+        <a:lstStyle/>
+        <a:p>
+          <a:endParaRPr lang="de-DE"/>
+        </a:p>
+      </dgm:t>
     </dgm:pt>
     <dgm:pt modelId="{4B08C288-FC56-4C20-A767-71E4FC5ADBBF}" type="pres">
       <dgm:prSet presAssocID="{52E01D98-44B1-4D2F-A7FF-963E297960E8}" presName="parTxOnlySpace" presStyleCnt="0"/>
@@ -10297,6 +10433,13 @@
         </dgm:presLayoutVars>
       </dgm:prSet>
       <dgm:spPr/>
+      <dgm:t>
+        <a:bodyPr/>
+        <a:lstStyle/>
+        <a:p>
+          <a:endParaRPr lang="de-DE"/>
+        </a:p>
+      </dgm:t>
     </dgm:pt>
     <dgm:pt modelId="{8837ECAE-E76A-4B2D-837A-FBEA7F843E24}" type="pres">
       <dgm:prSet presAssocID="{83290885-A745-453F-9D24-551F2D5E36EE}" presName="parTxOnlySpace" presStyleCnt="0"/>
@@ -10311,6 +10454,13 @@
         </dgm:presLayoutVars>
       </dgm:prSet>
       <dgm:spPr/>
+      <dgm:t>
+        <a:bodyPr/>
+        <a:lstStyle/>
+        <a:p>
+          <a:endParaRPr lang="de-DE"/>
+        </a:p>
+      </dgm:t>
     </dgm:pt>
     <dgm:pt modelId="{3D117A13-58B7-4149-AEAD-96A80E29910E}" type="pres">
       <dgm:prSet presAssocID="{E764366A-2BC8-4F96-B97B-0FAFCFB198B1}" presName="parTxOnlySpace" presStyleCnt="0"/>
@@ -10325,18 +10475,25 @@
         </dgm:presLayoutVars>
       </dgm:prSet>
       <dgm:spPr/>
+      <dgm:t>
+        <a:bodyPr/>
+        <a:lstStyle/>
+        <a:p>
+          <a:endParaRPr lang="de-DE"/>
+        </a:p>
+      </dgm:t>
     </dgm:pt>
   </dgm:ptLst>
   <dgm:cxnLst>
+    <dgm:cxn modelId="{3BE170A5-6C02-432A-A83F-29AC475419FD}" srcId="{F380FDE7-EFA6-4059-9845-CE6EDA216FE6}" destId="{1B474F9A-EA7C-462A-8838-F58BDA1F2819}" srcOrd="1" destOrd="0" parTransId="{F655AFC7-9907-4C92-92A3-FA0EB63BD0D4}" sibTransId="{83290885-A745-453F-9D24-551F2D5E36EE}"/>
+    <dgm:cxn modelId="{1F8D92F0-64C1-4B89-88A6-08F1F4DD5B28}" type="presOf" srcId="{1EA81A8D-4780-45BF-96C4-65176CCC56F7}" destId="{F7AC5948-3111-4D84-B4CB-496EEE749521}" srcOrd="0" destOrd="0" presId="urn:microsoft.com/office/officeart/2005/8/layout/chevron1"/>
+    <dgm:cxn modelId="{FC1F5543-964F-46B8-85DD-2DBA471525F3}" type="presOf" srcId="{1B474F9A-EA7C-462A-8838-F58BDA1F2819}" destId="{008AA319-A465-4CAC-BC58-757F657DBD40}" srcOrd="0" destOrd="0" presId="urn:microsoft.com/office/officeart/2005/8/layout/chevron1"/>
     <dgm:cxn modelId="{1953B909-29FA-4426-9F98-BEFD444AB4E6}" srcId="{F380FDE7-EFA6-4059-9845-CE6EDA216FE6}" destId="{1EA81A8D-4780-45BF-96C4-65176CCC56F7}" srcOrd="2" destOrd="0" parTransId="{F016153F-1725-4825-9359-306E58A5A52D}" sibTransId="{E764366A-2BC8-4F96-B97B-0FAFCFB198B1}"/>
+    <dgm:cxn modelId="{50583AB4-6588-4FDD-B9A5-D4F7DE9D7078}" type="presOf" srcId="{57039555-1564-4D48-80B0-23FC06EB42CA}" destId="{03A98877-0CC6-4CE1-BCE9-350807759886}" srcOrd="0" destOrd="0" presId="urn:microsoft.com/office/officeart/2005/8/layout/chevron1"/>
+    <dgm:cxn modelId="{E5BEA05C-3F95-42DA-AE7F-16D672D768E8}" type="presOf" srcId="{BC60D4DB-7D70-46F2-86E5-3A302FFA0213}" destId="{ADC49C50-2D7F-44A7-A17B-E33BE20372C7}" srcOrd="0" destOrd="0" presId="urn:microsoft.com/office/officeart/2005/8/layout/chevron1"/>
     <dgm:cxn modelId="{345EB432-D9DE-4BEB-BC90-2DB6B2140E63}" srcId="{F380FDE7-EFA6-4059-9845-CE6EDA216FE6}" destId="{BC60D4DB-7D70-46F2-86E5-3A302FFA0213}" srcOrd="0" destOrd="0" parTransId="{F861D1D3-BCD6-49E0-9A21-98B426A32826}" sibTransId="{52E01D98-44B1-4D2F-A7FF-963E297960E8}"/>
-    <dgm:cxn modelId="{E5BEA05C-3F95-42DA-AE7F-16D672D768E8}" type="presOf" srcId="{BC60D4DB-7D70-46F2-86E5-3A302FFA0213}" destId="{ADC49C50-2D7F-44A7-A17B-E33BE20372C7}" srcOrd="0" destOrd="0" presId="urn:microsoft.com/office/officeart/2005/8/layout/chevron1"/>
-    <dgm:cxn modelId="{FC1F5543-964F-46B8-85DD-2DBA471525F3}" type="presOf" srcId="{1B474F9A-EA7C-462A-8838-F58BDA1F2819}" destId="{008AA319-A465-4CAC-BC58-757F657DBD40}" srcOrd="0" destOrd="0" presId="urn:microsoft.com/office/officeart/2005/8/layout/chevron1"/>
+    <dgm:cxn modelId="{1A2ED3B9-0607-422D-8AB6-F0628C376FC1}" type="presOf" srcId="{F380FDE7-EFA6-4059-9845-CE6EDA216FE6}" destId="{0D8A5709-CD44-4C5A-A6B5-4D06C6C74647}" srcOrd="0" destOrd="0" presId="urn:microsoft.com/office/officeart/2005/8/layout/chevron1"/>
     <dgm:cxn modelId="{891CAC89-79A1-47AE-8780-951D2C716CB7}" srcId="{F380FDE7-EFA6-4059-9845-CE6EDA216FE6}" destId="{57039555-1564-4D48-80B0-23FC06EB42CA}" srcOrd="3" destOrd="0" parTransId="{9558D8C6-728D-434F-9A9D-4860312DDE22}" sibTransId="{7487F19D-A320-4C7B-960A-986A975690BA}"/>
-    <dgm:cxn modelId="{3BE170A5-6C02-432A-A83F-29AC475419FD}" srcId="{F380FDE7-EFA6-4059-9845-CE6EDA216FE6}" destId="{1B474F9A-EA7C-462A-8838-F58BDA1F2819}" srcOrd="1" destOrd="0" parTransId="{F655AFC7-9907-4C92-92A3-FA0EB63BD0D4}" sibTransId="{83290885-A745-453F-9D24-551F2D5E36EE}"/>
-    <dgm:cxn modelId="{50583AB4-6588-4FDD-B9A5-D4F7DE9D7078}" type="presOf" srcId="{57039555-1564-4D48-80B0-23FC06EB42CA}" destId="{03A98877-0CC6-4CE1-BCE9-350807759886}" srcOrd="0" destOrd="0" presId="urn:microsoft.com/office/officeart/2005/8/layout/chevron1"/>
-    <dgm:cxn modelId="{1A2ED3B9-0607-422D-8AB6-F0628C376FC1}" type="presOf" srcId="{F380FDE7-EFA6-4059-9845-CE6EDA216FE6}" destId="{0D8A5709-CD44-4C5A-A6B5-4D06C6C74647}" srcOrd="0" destOrd="0" presId="urn:microsoft.com/office/officeart/2005/8/layout/chevron1"/>
-    <dgm:cxn modelId="{1F8D92F0-64C1-4B89-88A6-08F1F4DD5B28}" type="presOf" srcId="{1EA81A8D-4780-45BF-96C4-65176CCC56F7}" destId="{F7AC5948-3111-4D84-B4CB-496EEE749521}" srcOrd="0" destOrd="0" presId="urn:microsoft.com/office/officeart/2005/8/layout/chevron1"/>
     <dgm:cxn modelId="{BE28E16B-B110-437C-AE0C-B89BBF7F61F9}" type="presParOf" srcId="{0D8A5709-CD44-4C5A-A6B5-4D06C6C74647}" destId="{ADC49C50-2D7F-44A7-A17B-E33BE20372C7}" srcOrd="0" destOrd="0" presId="urn:microsoft.com/office/officeart/2005/8/layout/chevron1"/>
     <dgm:cxn modelId="{69019FA6-57EB-4D38-9EBB-2B471D73ED0A}" type="presParOf" srcId="{0D8A5709-CD44-4C5A-A6B5-4D06C6C74647}" destId="{4B08C288-FC56-4C20-A767-71E4FC5ADBBF}" srcOrd="1" destOrd="0" presId="urn:microsoft.com/office/officeart/2005/8/layout/chevron1"/>
     <dgm:cxn modelId="{21153AE9-2F6C-46FD-AF55-6729857C6A58}" type="presParOf" srcId="{0D8A5709-CD44-4C5A-A6B5-4D06C6C74647}" destId="{008AA319-A465-4CAC-BC58-757F657DBD40}" srcOrd="2" destOrd="0" presId="urn:microsoft.com/office/officeart/2005/8/layout/chevron1"/>
@@ -10545,6 +10702,13 @@
         </dgm:presLayoutVars>
       </dgm:prSet>
       <dgm:spPr/>
+      <dgm:t>
+        <a:bodyPr/>
+        <a:lstStyle/>
+        <a:p>
+          <a:endParaRPr lang="de-DE"/>
+        </a:p>
+      </dgm:t>
     </dgm:pt>
     <dgm:pt modelId="{4B08C288-FC56-4C20-A767-71E4FC5ADBBF}" type="pres">
       <dgm:prSet presAssocID="{52E01D98-44B1-4D2F-A7FF-963E297960E8}" presName="parTxOnlySpace" presStyleCnt="0"/>
@@ -10559,6 +10723,13 @@
         </dgm:presLayoutVars>
       </dgm:prSet>
       <dgm:spPr/>
+      <dgm:t>
+        <a:bodyPr/>
+        <a:lstStyle/>
+        <a:p>
+          <a:endParaRPr lang="de-DE"/>
+        </a:p>
+      </dgm:t>
     </dgm:pt>
     <dgm:pt modelId="{8837ECAE-E76A-4B2D-837A-FBEA7F843E24}" type="pres">
       <dgm:prSet presAssocID="{83290885-A745-453F-9D24-551F2D5E36EE}" presName="parTxOnlySpace" presStyleCnt="0"/>
@@ -10573,6 +10744,13 @@
         </dgm:presLayoutVars>
       </dgm:prSet>
       <dgm:spPr/>
+      <dgm:t>
+        <a:bodyPr/>
+        <a:lstStyle/>
+        <a:p>
+          <a:endParaRPr lang="de-DE"/>
+        </a:p>
+      </dgm:t>
     </dgm:pt>
     <dgm:pt modelId="{3D117A13-58B7-4149-AEAD-96A80E29910E}" type="pres">
       <dgm:prSet presAssocID="{E764366A-2BC8-4F96-B97B-0FAFCFB198B1}" presName="parTxOnlySpace" presStyleCnt="0"/>
@@ -10587,18 +10765,25 @@
         </dgm:presLayoutVars>
       </dgm:prSet>
       <dgm:spPr/>
+      <dgm:t>
+        <a:bodyPr/>
+        <a:lstStyle/>
+        <a:p>
+          <a:endParaRPr lang="de-DE"/>
+        </a:p>
+      </dgm:t>
     </dgm:pt>
   </dgm:ptLst>
   <dgm:cxnLst>
+    <dgm:cxn modelId="{3BE170A5-6C02-432A-A83F-29AC475419FD}" srcId="{F380FDE7-EFA6-4059-9845-CE6EDA216FE6}" destId="{1B474F9A-EA7C-462A-8838-F58BDA1F2819}" srcOrd="1" destOrd="0" parTransId="{F655AFC7-9907-4C92-92A3-FA0EB63BD0D4}" sibTransId="{83290885-A745-453F-9D24-551F2D5E36EE}"/>
+    <dgm:cxn modelId="{1F8D92F0-64C1-4B89-88A6-08F1F4DD5B28}" type="presOf" srcId="{1EA81A8D-4780-45BF-96C4-65176CCC56F7}" destId="{F7AC5948-3111-4D84-B4CB-496EEE749521}" srcOrd="0" destOrd="0" presId="urn:microsoft.com/office/officeart/2005/8/layout/chevron1"/>
+    <dgm:cxn modelId="{FC1F5543-964F-46B8-85DD-2DBA471525F3}" type="presOf" srcId="{1B474F9A-EA7C-462A-8838-F58BDA1F2819}" destId="{008AA319-A465-4CAC-BC58-757F657DBD40}" srcOrd="0" destOrd="0" presId="urn:microsoft.com/office/officeart/2005/8/layout/chevron1"/>
     <dgm:cxn modelId="{1953B909-29FA-4426-9F98-BEFD444AB4E6}" srcId="{F380FDE7-EFA6-4059-9845-CE6EDA216FE6}" destId="{1EA81A8D-4780-45BF-96C4-65176CCC56F7}" srcOrd="2" destOrd="0" parTransId="{F016153F-1725-4825-9359-306E58A5A52D}" sibTransId="{E764366A-2BC8-4F96-B97B-0FAFCFB198B1}"/>
+    <dgm:cxn modelId="{50583AB4-6588-4FDD-B9A5-D4F7DE9D7078}" type="presOf" srcId="{57039555-1564-4D48-80B0-23FC06EB42CA}" destId="{03A98877-0CC6-4CE1-BCE9-350807759886}" srcOrd="0" destOrd="0" presId="urn:microsoft.com/office/officeart/2005/8/layout/chevron1"/>
+    <dgm:cxn modelId="{E5BEA05C-3F95-42DA-AE7F-16D672D768E8}" type="presOf" srcId="{BC60D4DB-7D70-46F2-86E5-3A302FFA0213}" destId="{ADC49C50-2D7F-44A7-A17B-E33BE20372C7}" srcOrd="0" destOrd="0" presId="urn:microsoft.com/office/officeart/2005/8/layout/chevron1"/>
     <dgm:cxn modelId="{345EB432-D9DE-4BEB-BC90-2DB6B2140E63}" srcId="{F380FDE7-EFA6-4059-9845-CE6EDA216FE6}" destId="{BC60D4DB-7D70-46F2-86E5-3A302FFA0213}" srcOrd="0" destOrd="0" parTransId="{F861D1D3-BCD6-49E0-9A21-98B426A32826}" sibTransId="{52E01D98-44B1-4D2F-A7FF-963E297960E8}"/>
-    <dgm:cxn modelId="{E5BEA05C-3F95-42DA-AE7F-16D672D768E8}" type="presOf" srcId="{BC60D4DB-7D70-46F2-86E5-3A302FFA0213}" destId="{ADC49C50-2D7F-44A7-A17B-E33BE20372C7}" srcOrd="0" destOrd="0" presId="urn:microsoft.com/office/officeart/2005/8/layout/chevron1"/>
-    <dgm:cxn modelId="{FC1F5543-964F-46B8-85DD-2DBA471525F3}" type="presOf" srcId="{1B474F9A-EA7C-462A-8838-F58BDA1F2819}" destId="{008AA319-A465-4CAC-BC58-757F657DBD40}" srcOrd="0" destOrd="0" presId="urn:microsoft.com/office/officeart/2005/8/layout/chevron1"/>
+    <dgm:cxn modelId="{1A2ED3B9-0607-422D-8AB6-F0628C376FC1}" type="presOf" srcId="{F380FDE7-EFA6-4059-9845-CE6EDA216FE6}" destId="{0D8A5709-CD44-4C5A-A6B5-4D06C6C74647}" srcOrd="0" destOrd="0" presId="urn:microsoft.com/office/officeart/2005/8/layout/chevron1"/>
     <dgm:cxn modelId="{891CAC89-79A1-47AE-8780-951D2C716CB7}" srcId="{F380FDE7-EFA6-4059-9845-CE6EDA216FE6}" destId="{57039555-1564-4D48-80B0-23FC06EB42CA}" srcOrd="3" destOrd="0" parTransId="{9558D8C6-728D-434F-9A9D-4860312DDE22}" sibTransId="{7487F19D-A320-4C7B-960A-986A975690BA}"/>
-    <dgm:cxn modelId="{3BE170A5-6C02-432A-A83F-29AC475419FD}" srcId="{F380FDE7-EFA6-4059-9845-CE6EDA216FE6}" destId="{1B474F9A-EA7C-462A-8838-F58BDA1F2819}" srcOrd="1" destOrd="0" parTransId="{F655AFC7-9907-4C92-92A3-FA0EB63BD0D4}" sibTransId="{83290885-A745-453F-9D24-551F2D5E36EE}"/>
-    <dgm:cxn modelId="{50583AB4-6588-4FDD-B9A5-D4F7DE9D7078}" type="presOf" srcId="{57039555-1564-4D48-80B0-23FC06EB42CA}" destId="{03A98877-0CC6-4CE1-BCE9-350807759886}" srcOrd="0" destOrd="0" presId="urn:microsoft.com/office/officeart/2005/8/layout/chevron1"/>
-    <dgm:cxn modelId="{1A2ED3B9-0607-422D-8AB6-F0628C376FC1}" type="presOf" srcId="{F380FDE7-EFA6-4059-9845-CE6EDA216FE6}" destId="{0D8A5709-CD44-4C5A-A6B5-4D06C6C74647}" srcOrd="0" destOrd="0" presId="urn:microsoft.com/office/officeart/2005/8/layout/chevron1"/>
-    <dgm:cxn modelId="{1F8D92F0-64C1-4B89-88A6-08F1F4DD5B28}" type="presOf" srcId="{1EA81A8D-4780-45BF-96C4-65176CCC56F7}" destId="{F7AC5948-3111-4D84-B4CB-496EEE749521}" srcOrd="0" destOrd="0" presId="urn:microsoft.com/office/officeart/2005/8/layout/chevron1"/>
     <dgm:cxn modelId="{BE28E16B-B110-437C-AE0C-B89BBF7F61F9}" type="presParOf" srcId="{0D8A5709-CD44-4C5A-A6B5-4D06C6C74647}" destId="{ADC49C50-2D7F-44A7-A17B-E33BE20372C7}" srcOrd="0" destOrd="0" presId="urn:microsoft.com/office/officeart/2005/8/layout/chevron1"/>
     <dgm:cxn modelId="{69019FA6-57EB-4D38-9EBB-2B471D73ED0A}" type="presParOf" srcId="{0D8A5709-CD44-4C5A-A6B5-4D06C6C74647}" destId="{4B08C288-FC56-4C20-A767-71E4FC5ADBBF}" srcOrd="1" destOrd="0" presId="urn:microsoft.com/office/officeart/2005/8/layout/chevron1"/>
     <dgm:cxn modelId="{21153AE9-2F6C-46FD-AF55-6729857C6A58}" type="presParOf" srcId="{0D8A5709-CD44-4C5A-A6B5-4D06C6C74647}" destId="{008AA319-A465-4CAC-BC58-757F657DBD40}" srcOrd="2" destOrd="0" presId="urn:microsoft.com/office/officeart/2005/8/layout/chevron1"/>
@@ -10881,6 +11066,13 @@
         </dgm:presLayoutVars>
       </dgm:prSet>
       <dgm:spPr/>
+      <dgm:t>
+        <a:bodyPr/>
+        <a:lstStyle/>
+        <a:p>
+          <a:endParaRPr lang="de-DE"/>
+        </a:p>
+      </dgm:t>
     </dgm:pt>
     <dgm:pt modelId="{534CC25B-EEC2-4083-9815-697BA0D1FDE6}" type="pres">
       <dgm:prSet presAssocID="{BA7C39C7-5DDC-4085-B3F8-1DDCC60C9A95}" presName="spacerL" presStyleCnt="0"/>
@@ -10889,6 +11081,13 @@
     <dgm:pt modelId="{B4E8F25B-E08A-4895-827D-921B7F6B00B7}" type="pres">
       <dgm:prSet presAssocID="{BA7C39C7-5DDC-4085-B3F8-1DDCC60C9A95}" presName="sibTrans" presStyleLbl="sibTrans2D1" presStyleIdx="0" presStyleCnt="4"/>
       <dgm:spPr/>
+      <dgm:t>
+        <a:bodyPr/>
+        <a:lstStyle/>
+        <a:p>
+          <a:endParaRPr lang="de-DE"/>
+        </a:p>
+      </dgm:t>
     </dgm:pt>
     <dgm:pt modelId="{119776FA-ED3F-4B1C-83F0-4836F542D48C}" type="pres">
       <dgm:prSet presAssocID="{BA7C39C7-5DDC-4085-B3F8-1DDCC60C9A95}" presName="spacerR" presStyleCnt="0"/>
@@ -10901,6 +11100,13 @@
         </dgm:presLayoutVars>
       </dgm:prSet>
       <dgm:spPr/>
+      <dgm:t>
+        <a:bodyPr/>
+        <a:lstStyle/>
+        <a:p>
+          <a:endParaRPr lang="de-DE"/>
+        </a:p>
+      </dgm:t>
     </dgm:pt>
     <dgm:pt modelId="{D2BF13FD-C280-4D9A-97A9-4455BDDDABDA}" type="pres">
       <dgm:prSet presAssocID="{4D1091A6-F1C0-4B39-B2A8-74F36CDD363B}" presName="spacerL" presStyleCnt="0"/>
@@ -10909,6 +11115,13 @@
     <dgm:pt modelId="{3B26F0F4-B662-40BE-81A2-1E8AEABEDC04}" type="pres">
       <dgm:prSet presAssocID="{4D1091A6-F1C0-4B39-B2A8-74F36CDD363B}" presName="sibTrans" presStyleLbl="sibTrans2D1" presStyleIdx="1" presStyleCnt="4"/>
       <dgm:spPr/>
+      <dgm:t>
+        <a:bodyPr/>
+        <a:lstStyle/>
+        <a:p>
+          <a:endParaRPr lang="de-DE"/>
+        </a:p>
+      </dgm:t>
     </dgm:pt>
     <dgm:pt modelId="{A4114886-CD83-42FB-BBBD-F14844F88B45}" type="pres">
       <dgm:prSet presAssocID="{4D1091A6-F1C0-4B39-B2A8-74F36CDD363B}" presName="spacerR" presStyleCnt="0"/>
@@ -10921,6 +11134,13 @@
         </dgm:presLayoutVars>
       </dgm:prSet>
       <dgm:spPr/>
+      <dgm:t>
+        <a:bodyPr/>
+        <a:lstStyle/>
+        <a:p>
+          <a:endParaRPr lang="de-DE"/>
+        </a:p>
+      </dgm:t>
     </dgm:pt>
     <dgm:pt modelId="{D6643695-2B57-4E0F-AC4D-FAE7D3088956}" type="pres">
       <dgm:prSet presAssocID="{2A2CCB2E-CDAD-4441-AC77-6C4EBED656F6}" presName="spacerL" presStyleCnt="0"/>
@@ -10929,6 +11149,13 @@
     <dgm:pt modelId="{FA83C7C4-03E3-4CC4-A67C-FF6E890263F7}" type="pres">
       <dgm:prSet presAssocID="{2A2CCB2E-CDAD-4441-AC77-6C4EBED656F6}" presName="sibTrans" presStyleLbl="sibTrans2D1" presStyleIdx="2" presStyleCnt="4"/>
       <dgm:spPr/>
+      <dgm:t>
+        <a:bodyPr/>
+        <a:lstStyle/>
+        <a:p>
+          <a:endParaRPr lang="de-DE"/>
+        </a:p>
+      </dgm:t>
     </dgm:pt>
     <dgm:pt modelId="{740178C1-40A4-4CA8-8793-3426D422B3E7}" type="pres">
       <dgm:prSet presAssocID="{2A2CCB2E-CDAD-4441-AC77-6C4EBED656F6}" presName="spacerR" presStyleCnt="0"/>
@@ -10941,6 +11168,13 @@
         </dgm:presLayoutVars>
       </dgm:prSet>
       <dgm:spPr/>
+      <dgm:t>
+        <a:bodyPr/>
+        <a:lstStyle/>
+        <a:p>
+          <a:endParaRPr lang="de-DE"/>
+        </a:p>
+      </dgm:t>
     </dgm:pt>
     <dgm:pt modelId="{B84A332A-DF96-42E4-867E-9B6E77230202}" type="pres">
       <dgm:prSet presAssocID="{9F75280D-898E-4501-9835-6D010F788107}" presName="spacerL" presStyleCnt="0"/>
@@ -10949,6 +11183,13 @@
     <dgm:pt modelId="{4D88078D-9401-4842-9099-4452036331A9}" type="pres">
       <dgm:prSet presAssocID="{9F75280D-898E-4501-9835-6D010F788107}" presName="sibTrans" presStyleLbl="sibTrans2D1" presStyleIdx="3" presStyleCnt="4"/>
       <dgm:spPr/>
+      <dgm:t>
+        <a:bodyPr/>
+        <a:lstStyle/>
+        <a:p>
+          <a:endParaRPr lang="de-DE"/>
+        </a:p>
+      </dgm:t>
     </dgm:pt>
     <dgm:pt modelId="{087D6E3F-D456-4CBB-9AC5-F72CB7B02B5F}" type="pres">
       <dgm:prSet presAssocID="{9F75280D-898E-4501-9835-6D010F788107}" presName="spacerR" presStyleCnt="0"/>
@@ -10961,24 +11202,31 @@
         </dgm:presLayoutVars>
       </dgm:prSet>
       <dgm:spPr/>
+      <dgm:t>
+        <a:bodyPr/>
+        <a:lstStyle/>
+        <a:p>
+          <a:endParaRPr lang="de-DE"/>
+        </a:p>
+      </dgm:t>
     </dgm:pt>
   </dgm:ptLst>
   <dgm:cxnLst>
+    <dgm:cxn modelId="{238E48C9-82F3-4BA3-B11D-D2218F751FF8}" type="presOf" srcId="{5AE60CE7-A54F-4423-BD89-FFA7F331565B}" destId="{CDC4E7DD-A495-4F36-B52E-F47F15F8FF8C}" srcOrd="0" destOrd="0" presId="urn:microsoft.com/office/officeart/2005/8/layout/equation1"/>
+    <dgm:cxn modelId="{07EF86BA-9A18-4BB6-9177-C8C1C3A62A60}" type="presOf" srcId="{3CE01F02-CAF2-46E9-86F7-BA9578387940}" destId="{AA412EEA-42D3-4E9B-8E38-1350B1F08440}" srcOrd="0" destOrd="0" presId="urn:microsoft.com/office/officeart/2005/8/layout/equation1"/>
+    <dgm:cxn modelId="{12AC58CA-3124-42A8-A3E9-B8AD82EC10DA}" type="presOf" srcId="{BA7C39C7-5DDC-4085-B3F8-1DDCC60C9A95}" destId="{B4E8F25B-E08A-4895-827D-921B7F6B00B7}" srcOrd="0" destOrd="0" presId="urn:microsoft.com/office/officeart/2005/8/layout/equation1"/>
+    <dgm:cxn modelId="{09B5619D-80FC-401B-9A5F-DC91BF7CD932}" type="presOf" srcId="{8E6D8C5E-464F-4593-A96F-E42D7E685385}" destId="{912B95D8-F9BB-4774-AA40-E66CA7FADE9F}" srcOrd="0" destOrd="0" presId="urn:microsoft.com/office/officeart/2005/8/layout/equation1"/>
+    <dgm:cxn modelId="{EEE410DD-D2BF-4BA7-AEBF-4563805B1658}" srcId="{3CE01F02-CAF2-46E9-86F7-BA9578387940}" destId="{5AE60CE7-A54F-4423-BD89-FFA7F331565B}" srcOrd="0" destOrd="0" parTransId="{E20BDF54-3FF9-4C50-B742-4DC23F5DA203}" sibTransId="{BA7C39C7-5DDC-4085-B3F8-1DDCC60C9A95}"/>
+    <dgm:cxn modelId="{52AECEB1-F279-4C60-B503-D758A45F44F0}" type="presOf" srcId="{F37FF91F-1F2A-4073-8FAF-46F4358E2440}" destId="{575C902F-36B8-4992-98AA-D2B1BA38E89B}" srcOrd="0" destOrd="0" presId="urn:microsoft.com/office/officeart/2005/8/layout/equation1"/>
+    <dgm:cxn modelId="{56FE25F2-C9A9-4E21-BE62-FF1695871A12}" srcId="{3CE01F02-CAF2-46E9-86F7-BA9578387940}" destId="{38407233-30CA-49FA-8223-950F70898817}" srcOrd="1" destOrd="0" parTransId="{C1B95A62-565D-4892-8084-AD054652DF7A}" sibTransId="{4D1091A6-F1C0-4B39-B2A8-74F36CDD363B}"/>
+    <dgm:cxn modelId="{9A382042-A737-49E7-A3B6-636BB308CF5F}" type="presOf" srcId="{9F75280D-898E-4501-9835-6D010F788107}" destId="{4D88078D-9401-4842-9099-4452036331A9}" srcOrd="0" destOrd="0" presId="urn:microsoft.com/office/officeart/2005/8/layout/equation1"/>
+    <dgm:cxn modelId="{81DD504E-4754-4375-A6FD-040DDA5F896A}" type="presOf" srcId="{4D1091A6-F1C0-4B39-B2A8-74F36CDD363B}" destId="{3B26F0F4-B662-40BE-81A2-1E8AEABEDC04}" srcOrd="0" destOrd="0" presId="urn:microsoft.com/office/officeart/2005/8/layout/equation1"/>
+    <dgm:cxn modelId="{C3CB5839-054C-4318-87F1-13E3E2AC006D}" srcId="{3CE01F02-CAF2-46E9-86F7-BA9578387940}" destId="{B904F3EF-8CE5-4751-9FAF-C7E2234BE2A3}" srcOrd="4" destOrd="0" parTransId="{47C455C9-5106-400B-A345-BE235E107B4B}" sibTransId="{2407E071-C84F-4170-B2C8-E4386C899056}"/>
+    <dgm:cxn modelId="{250655DD-686D-4A46-857E-79476E45292B}" type="presOf" srcId="{2A2CCB2E-CDAD-4441-AC77-6C4EBED656F6}" destId="{FA83C7C4-03E3-4CC4-A67C-FF6E890263F7}" srcOrd="0" destOrd="0" presId="urn:microsoft.com/office/officeart/2005/8/layout/equation1"/>
+    <dgm:cxn modelId="{42DD03CB-1AD4-4C2F-BB13-8C68733056D4}" srcId="{3CE01F02-CAF2-46E9-86F7-BA9578387940}" destId="{8E6D8C5E-464F-4593-A96F-E42D7E685385}" srcOrd="3" destOrd="0" parTransId="{D46671C4-B2E4-455E-8DE8-653CEB5E5852}" sibTransId="{9F75280D-898E-4501-9835-6D010F788107}"/>
+    <dgm:cxn modelId="{2B2B93F7-FBCE-47A7-8754-C147505AA0E8}" type="presOf" srcId="{38407233-30CA-49FA-8223-950F70898817}" destId="{44F0D38C-08DC-46AC-93CB-6D3D32B56456}" srcOrd="0" destOrd="0" presId="urn:microsoft.com/office/officeart/2005/8/layout/equation1"/>
     <dgm:cxn modelId="{BF4A7605-1078-47A2-8760-127C32B9142B}" type="presOf" srcId="{B904F3EF-8CE5-4751-9FAF-C7E2234BE2A3}" destId="{181AA33A-4D5F-49E2-BFE4-A0FFC355D3BD}" srcOrd="0" destOrd="0" presId="urn:microsoft.com/office/officeart/2005/8/layout/equation1"/>
-    <dgm:cxn modelId="{C3CB5839-054C-4318-87F1-13E3E2AC006D}" srcId="{3CE01F02-CAF2-46E9-86F7-BA9578387940}" destId="{B904F3EF-8CE5-4751-9FAF-C7E2234BE2A3}" srcOrd="4" destOrd="0" parTransId="{47C455C9-5106-400B-A345-BE235E107B4B}" sibTransId="{2407E071-C84F-4170-B2C8-E4386C899056}"/>
-    <dgm:cxn modelId="{9A382042-A737-49E7-A3B6-636BB308CF5F}" type="presOf" srcId="{9F75280D-898E-4501-9835-6D010F788107}" destId="{4D88078D-9401-4842-9099-4452036331A9}" srcOrd="0" destOrd="0" presId="urn:microsoft.com/office/officeart/2005/8/layout/equation1"/>
     <dgm:cxn modelId="{FE4FCC66-BE55-47A0-A2BC-4221F24657AD}" srcId="{3CE01F02-CAF2-46E9-86F7-BA9578387940}" destId="{F37FF91F-1F2A-4073-8FAF-46F4358E2440}" srcOrd="2" destOrd="0" parTransId="{51C9BE81-39E0-4E1A-BDF0-3DA62E819359}" sibTransId="{2A2CCB2E-CDAD-4441-AC77-6C4EBED656F6}"/>
-    <dgm:cxn modelId="{81DD504E-4754-4375-A6FD-040DDA5F896A}" type="presOf" srcId="{4D1091A6-F1C0-4B39-B2A8-74F36CDD363B}" destId="{3B26F0F4-B662-40BE-81A2-1E8AEABEDC04}" srcOrd="0" destOrd="0" presId="urn:microsoft.com/office/officeart/2005/8/layout/equation1"/>
-    <dgm:cxn modelId="{09B5619D-80FC-401B-9A5F-DC91BF7CD932}" type="presOf" srcId="{8E6D8C5E-464F-4593-A96F-E42D7E685385}" destId="{912B95D8-F9BB-4774-AA40-E66CA7FADE9F}" srcOrd="0" destOrd="0" presId="urn:microsoft.com/office/officeart/2005/8/layout/equation1"/>
-    <dgm:cxn modelId="{52AECEB1-F279-4C60-B503-D758A45F44F0}" type="presOf" srcId="{F37FF91F-1F2A-4073-8FAF-46F4358E2440}" destId="{575C902F-36B8-4992-98AA-D2B1BA38E89B}" srcOrd="0" destOrd="0" presId="urn:microsoft.com/office/officeart/2005/8/layout/equation1"/>
-    <dgm:cxn modelId="{07EF86BA-9A18-4BB6-9177-C8C1C3A62A60}" type="presOf" srcId="{3CE01F02-CAF2-46E9-86F7-BA9578387940}" destId="{AA412EEA-42D3-4E9B-8E38-1350B1F08440}" srcOrd="0" destOrd="0" presId="urn:microsoft.com/office/officeart/2005/8/layout/equation1"/>
-    <dgm:cxn modelId="{238E48C9-82F3-4BA3-B11D-D2218F751FF8}" type="presOf" srcId="{5AE60CE7-A54F-4423-BD89-FFA7F331565B}" destId="{CDC4E7DD-A495-4F36-B52E-F47F15F8FF8C}" srcOrd="0" destOrd="0" presId="urn:microsoft.com/office/officeart/2005/8/layout/equation1"/>
-    <dgm:cxn modelId="{12AC58CA-3124-42A8-A3E9-B8AD82EC10DA}" type="presOf" srcId="{BA7C39C7-5DDC-4085-B3F8-1DDCC60C9A95}" destId="{B4E8F25B-E08A-4895-827D-921B7F6B00B7}" srcOrd="0" destOrd="0" presId="urn:microsoft.com/office/officeart/2005/8/layout/equation1"/>
-    <dgm:cxn modelId="{42DD03CB-1AD4-4C2F-BB13-8C68733056D4}" srcId="{3CE01F02-CAF2-46E9-86F7-BA9578387940}" destId="{8E6D8C5E-464F-4593-A96F-E42D7E685385}" srcOrd="3" destOrd="0" parTransId="{D46671C4-B2E4-455E-8DE8-653CEB5E5852}" sibTransId="{9F75280D-898E-4501-9835-6D010F788107}"/>
-    <dgm:cxn modelId="{EEE410DD-D2BF-4BA7-AEBF-4563805B1658}" srcId="{3CE01F02-CAF2-46E9-86F7-BA9578387940}" destId="{5AE60CE7-A54F-4423-BD89-FFA7F331565B}" srcOrd="0" destOrd="0" parTransId="{E20BDF54-3FF9-4C50-B742-4DC23F5DA203}" sibTransId="{BA7C39C7-5DDC-4085-B3F8-1DDCC60C9A95}"/>
-    <dgm:cxn modelId="{250655DD-686D-4A46-857E-79476E45292B}" type="presOf" srcId="{2A2CCB2E-CDAD-4441-AC77-6C4EBED656F6}" destId="{FA83C7C4-03E3-4CC4-A67C-FF6E890263F7}" srcOrd="0" destOrd="0" presId="urn:microsoft.com/office/officeart/2005/8/layout/equation1"/>
-    <dgm:cxn modelId="{56FE25F2-C9A9-4E21-BE62-FF1695871A12}" srcId="{3CE01F02-CAF2-46E9-86F7-BA9578387940}" destId="{38407233-30CA-49FA-8223-950F70898817}" srcOrd="1" destOrd="0" parTransId="{C1B95A62-565D-4892-8084-AD054652DF7A}" sibTransId="{4D1091A6-F1C0-4B39-B2A8-74F36CDD363B}"/>
-    <dgm:cxn modelId="{2B2B93F7-FBCE-47A7-8754-C147505AA0E8}" type="presOf" srcId="{38407233-30CA-49FA-8223-950F70898817}" destId="{44F0D38C-08DC-46AC-93CB-6D3D32B56456}" srcOrd="0" destOrd="0" presId="urn:microsoft.com/office/officeart/2005/8/layout/equation1"/>
     <dgm:cxn modelId="{26706ADC-A22A-4D09-A243-4F2F163D8085}" type="presParOf" srcId="{AA412EEA-42D3-4E9B-8E38-1350B1F08440}" destId="{CDC4E7DD-A495-4F36-B52E-F47F15F8FF8C}" srcOrd="0" destOrd="0" presId="urn:microsoft.com/office/officeart/2005/8/layout/equation1"/>
     <dgm:cxn modelId="{6AC50973-F825-40E2-B9EB-3B32692292F3}" type="presParOf" srcId="{AA412EEA-42D3-4E9B-8E38-1350B1F08440}" destId="{534CC25B-EEC2-4083-9815-697BA0D1FDE6}" srcOrd="1" destOrd="0" presId="urn:microsoft.com/office/officeart/2005/8/layout/equation1"/>
     <dgm:cxn modelId="{DE08842A-F32E-418A-9B52-0E0B5E53AB04}" type="presParOf" srcId="{AA412EEA-42D3-4E9B-8E38-1350B1F08440}" destId="{B4E8F25B-E08A-4895-827D-921B7F6B00B7}" srcOrd="2" destOrd="0" presId="urn:microsoft.com/office/officeart/2005/8/layout/equation1"/>
@@ -11201,6 +11449,13 @@
         </dgm:presLayoutVars>
       </dgm:prSet>
       <dgm:spPr/>
+      <dgm:t>
+        <a:bodyPr/>
+        <a:lstStyle/>
+        <a:p>
+          <a:endParaRPr lang="de-DE"/>
+        </a:p>
+      </dgm:t>
     </dgm:pt>
     <dgm:pt modelId="{4B08C288-FC56-4C20-A767-71E4FC5ADBBF}" type="pres">
       <dgm:prSet presAssocID="{52E01D98-44B1-4D2F-A7FF-963E297960E8}" presName="parTxOnlySpace" presStyleCnt="0"/>
@@ -11215,6 +11470,13 @@
         </dgm:presLayoutVars>
       </dgm:prSet>
       <dgm:spPr/>
+      <dgm:t>
+        <a:bodyPr/>
+        <a:lstStyle/>
+        <a:p>
+          <a:endParaRPr lang="de-DE"/>
+        </a:p>
+      </dgm:t>
     </dgm:pt>
     <dgm:pt modelId="{8837ECAE-E76A-4B2D-837A-FBEA7F843E24}" type="pres">
       <dgm:prSet presAssocID="{83290885-A745-453F-9D24-551F2D5E36EE}" presName="parTxOnlySpace" presStyleCnt="0"/>
@@ -11229,6 +11491,13 @@
         </dgm:presLayoutVars>
       </dgm:prSet>
       <dgm:spPr/>
+      <dgm:t>
+        <a:bodyPr/>
+        <a:lstStyle/>
+        <a:p>
+          <a:endParaRPr lang="de-DE"/>
+        </a:p>
+      </dgm:t>
     </dgm:pt>
     <dgm:pt modelId="{3D117A13-58B7-4149-AEAD-96A80E29910E}" type="pres">
       <dgm:prSet presAssocID="{E764366A-2BC8-4F96-B97B-0FAFCFB198B1}" presName="parTxOnlySpace" presStyleCnt="0"/>
@@ -11243,18 +11512,25 @@
         </dgm:presLayoutVars>
       </dgm:prSet>
       <dgm:spPr/>
+      <dgm:t>
+        <a:bodyPr/>
+        <a:lstStyle/>
+        <a:p>
+          <a:endParaRPr lang="de-DE"/>
+        </a:p>
+      </dgm:t>
     </dgm:pt>
   </dgm:ptLst>
   <dgm:cxnLst>
+    <dgm:cxn modelId="{3BE170A5-6C02-432A-A83F-29AC475419FD}" srcId="{F380FDE7-EFA6-4059-9845-CE6EDA216FE6}" destId="{1B474F9A-EA7C-462A-8838-F58BDA1F2819}" srcOrd="1" destOrd="0" parTransId="{F655AFC7-9907-4C92-92A3-FA0EB63BD0D4}" sibTransId="{83290885-A745-453F-9D24-551F2D5E36EE}"/>
+    <dgm:cxn modelId="{1F8D92F0-64C1-4B89-88A6-08F1F4DD5B28}" type="presOf" srcId="{1EA81A8D-4780-45BF-96C4-65176CCC56F7}" destId="{F7AC5948-3111-4D84-B4CB-496EEE749521}" srcOrd="0" destOrd="0" presId="urn:microsoft.com/office/officeart/2005/8/layout/chevron1"/>
+    <dgm:cxn modelId="{FC1F5543-964F-46B8-85DD-2DBA471525F3}" type="presOf" srcId="{1B474F9A-EA7C-462A-8838-F58BDA1F2819}" destId="{008AA319-A465-4CAC-BC58-757F657DBD40}" srcOrd="0" destOrd="0" presId="urn:microsoft.com/office/officeart/2005/8/layout/chevron1"/>
     <dgm:cxn modelId="{1953B909-29FA-4426-9F98-BEFD444AB4E6}" srcId="{F380FDE7-EFA6-4059-9845-CE6EDA216FE6}" destId="{1EA81A8D-4780-45BF-96C4-65176CCC56F7}" srcOrd="2" destOrd="0" parTransId="{F016153F-1725-4825-9359-306E58A5A52D}" sibTransId="{E764366A-2BC8-4F96-B97B-0FAFCFB198B1}"/>
+    <dgm:cxn modelId="{50583AB4-6588-4FDD-B9A5-D4F7DE9D7078}" type="presOf" srcId="{57039555-1564-4D48-80B0-23FC06EB42CA}" destId="{03A98877-0CC6-4CE1-BCE9-350807759886}" srcOrd="0" destOrd="0" presId="urn:microsoft.com/office/officeart/2005/8/layout/chevron1"/>
+    <dgm:cxn modelId="{E5BEA05C-3F95-42DA-AE7F-16D672D768E8}" type="presOf" srcId="{BC60D4DB-7D70-46F2-86E5-3A302FFA0213}" destId="{ADC49C50-2D7F-44A7-A17B-E33BE20372C7}" srcOrd="0" destOrd="0" presId="urn:microsoft.com/office/officeart/2005/8/layout/chevron1"/>
     <dgm:cxn modelId="{345EB432-D9DE-4BEB-BC90-2DB6B2140E63}" srcId="{F380FDE7-EFA6-4059-9845-CE6EDA216FE6}" destId="{BC60D4DB-7D70-46F2-86E5-3A302FFA0213}" srcOrd="0" destOrd="0" parTransId="{F861D1D3-BCD6-49E0-9A21-98B426A32826}" sibTransId="{52E01D98-44B1-4D2F-A7FF-963E297960E8}"/>
-    <dgm:cxn modelId="{E5BEA05C-3F95-42DA-AE7F-16D672D768E8}" type="presOf" srcId="{BC60D4DB-7D70-46F2-86E5-3A302FFA0213}" destId="{ADC49C50-2D7F-44A7-A17B-E33BE20372C7}" srcOrd="0" destOrd="0" presId="urn:microsoft.com/office/officeart/2005/8/layout/chevron1"/>
-    <dgm:cxn modelId="{FC1F5543-964F-46B8-85DD-2DBA471525F3}" type="presOf" srcId="{1B474F9A-EA7C-462A-8838-F58BDA1F2819}" destId="{008AA319-A465-4CAC-BC58-757F657DBD40}" srcOrd="0" destOrd="0" presId="urn:microsoft.com/office/officeart/2005/8/layout/chevron1"/>
+    <dgm:cxn modelId="{1A2ED3B9-0607-422D-8AB6-F0628C376FC1}" type="presOf" srcId="{F380FDE7-EFA6-4059-9845-CE6EDA216FE6}" destId="{0D8A5709-CD44-4C5A-A6B5-4D06C6C74647}" srcOrd="0" destOrd="0" presId="urn:microsoft.com/office/officeart/2005/8/layout/chevron1"/>
     <dgm:cxn modelId="{891CAC89-79A1-47AE-8780-951D2C716CB7}" srcId="{F380FDE7-EFA6-4059-9845-CE6EDA216FE6}" destId="{57039555-1564-4D48-80B0-23FC06EB42CA}" srcOrd="3" destOrd="0" parTransId="{9558D8C6-728D-434F-9A9D-4860312DDE22}" sibTransId="{7487F19D-A320-4C7B-960A-986A975690BA}"/>
-    <dgm:cxn modelId="{3BE170A5-6C02-432A-A83F-29AC475419FD}" srcId="{F380FDE7-EFA6-4059-9845-CE6EDA216FE6}" destId="{1B474F9A-EA7C-462A-8838-F58BDA1F2819}" srcOrd="1" destOrd="0" parTransId="{F655AFC7-9907-4C92-92A3-FA0EB63BD0D4}" sibTransId="{83290885-A745-453F-9D24-551F2D5E36EE}"/>
-    <dgm:cxn modelId="{50583AB4-6588-4FDD-B9A5-D4F7DE9D7078}" type="presOf" srcId="{57039555-1564-4D48-80B0-23FC06EB42CA}" destId="{03A98877-0CC6-4CE1-BCE9-350807759886}" srcOrd="0" destOrd="0" presId="urn:microsoft.com/office/officeart/2005/8/layout/chevron1"/>
-    <dgm:cxn modelId="{1A2ED3B9-0607-422D-8AB6-F0628C376FC1}" type="presOf" srcId="{F380FDE7-EFA6-4059-9845-CE6EDA216FE6}" destId="{0D8A5709-CD44-4C5A-A6B5-4D06C6C74647}" srcOrd="0" destOrd="0" presId="urn:microsoft.com/office/officeart/2005/8/layout/chevron1"/>
-    <dgm:cxn modelId="{1F8D92F0-64C1-4B89-88A6-08F1F4DD5B28}" type="presOf" srcId="{1EA81A8D-4780-45BF-96C4-65176CCC56F7}" destId="{F7AC5948-3111-4D84-B4CB-496EEE749521}" srcOrd="0" destOrd="0" presId="urn:microsoft.com/office/officeart/2005/8/layout/chevron1"/>
     <dgm:cxn modelId="{BE28E16B-B110-437C-AE0C-B89BBF7F61F9}" type="presParOf" srcId="{0D8A5709-CD44-4C5A-A6B5-4D06C6C74647}" destId="{ADC49C50-2D7F-44A7-A17B-E33BE20372C7}" srcOrd="0" destOrd="0" presId="urn:microsoft.com/office/officeart/2005/8/layout/chevron1"/>
     <dgm:cxn modelId="{69019FA6-57EB-4D38-9EBB-2B471D73ED0A}" type="presParOf" srcId="{0D8A5709-CD44-4C5A-A6B5-4D06C6C74647}" destId="{4B08C288-FC56-4C20-A767-71E4FC5ADBBF}" srcOrd="1" destOrd="0" presId="urn:microsoft.com/office/officeart/2005/8/layout/chevron1"/>
     <dgm:cxn modelId="{21153AE9-2F6C-46FD-AF55-6729857C6A58}" type="presParOf" srcId="{0D8A5709-CD44-4C5A-A6B5-4D06C6C74647}" destId="{008AA319-A465-4CAC-BC58-757F657DBD40}" srcOrd="2" destOrd="0" presId="urn:microsoft.com/office/officeart/2005/8/layout/chevron1"/>
@@ -11463,6 +11739,13 @@
         </dgm:presLayoutVars>
       </dgm:prSet>
       <dgm:spPr/>
+      <dgm:t>
+        <a:bodyPr/>
+        <a:lstStyle/>
+        <a:p>
+          <a:endParaRPr lang="de-DE"/>
+        </a:p>
+      </dgm:t>
     </dgm:pt>
     <dgm:pt modelId="{4B08C288-FC56-4C20-A767-71E4FC5ADBBF}" type="pres">
       <dgm:prSet presAssocID="{52E01D98-44B1-4D2F-A7FF-963E297960E8}" presName="parTxOnlySpace" presStyleCnt="0"/>
@@ -11477,6 +11760,13 @@
         </dgm:presLayoutVars>
       </dgm:prSet>
       <dgm:spPr/>
+      <dgm:t>
+        <a:bodyPr/>
+        <a:lstStyle/>
+        <a:p>
+          <a:endParaRPr lang="de-DE"/>
+        </a:p>
+      </dgm:t>
     </dgm:pt>
     <dgm:pt modelId="{8837ECAE-E76A-4B2D-837A-FBEA7F843E24}" type="pres">
       <dgm:prSet presAssocID="{83290885-A745-453F-9D24-551F2D5E36EE}" presName="parTxOnlySpace" presStyleCnt="0"/>
@@ -11491,6 +11781,13 @@
         </dgm:presLayoutVars>
       </dgm:prSet>
       <dgm:spPr/>
+      <dgm:t>
+        <a:bodyPr/>
+        <a:lstStyle/>
+        <a:p>
+          <a:endParaRPr lang="de-DE"/>
+        </a:p>
+      </dgm:t>
     </dgm:pt>
     <dgm:pt modelId="{3D117A13-58B7-4149-AEAD-96A80E29910E}" type="pres">
       <dgm:prSet presAssocID="{E764366A-2BC8-4F96-B97B-0FAFCFB198B1}" presName="parTxOnlySpace" presStyleCnt="0"/>
@@ -11505,18 +11802,25 @@
         </dgm:presLayoutVars>
       </dgm:prSet>
       <dgm:spPr/>
+      <dgm:t>
+        <a:bodyPr/>
+        <a:lstStyle/>
+        <a:p>
+          <a:endParaRPr lang="de-DE"/>
+        </a:p>
+      </dgm:t>
     </dgm:pt>
   </dgm:ptLst>
   <dgm:cxnLst>
+    <dgm:cxn modelId="{3BE170A5-6C02-432A-A83F-29AC475419FD}" srcId="{F380FDE7-EFA6-4059-9845-CE6EDA216FE6}" destId="{1B474F9A-EA7C-462A-8838-F58BDA1F2819}" srcOrd="1" destOrd="0" parTransId="{F655AFC7-9907-4C92-92A3-FA0EB63BD0D4}" sibTransId="{83290885-A745-453F-9D24-551F2D5E36EE}"/>
+    <dgm:cxn modelId="{1F8D92F0-64C1-4B89-88A6-08F1F4DD5B28}" type="presOf" srcId="{1EA81A8D-4780-45BF-96C4-65176CCC56F7}" destId="{F7AC5948-3111-4D84-B4CB-496EEE749521}" srcOrd="0" destOrd="0" presId="urn:microsoft.com/office/officeart/2005/8/layout/chevron1"/>
+    <dgm:cxn modelId="{FC1F5543-964F-46B8-85DD-2DBA471525F3}" type="presOf" srcId="{1B474F9A-EA7C-462A-8838-F58BDA1F2819}" destId="{008AA319-A465-4CAC-BC58-757F657DBD40}" srcOrd="0" destOrd="0" presId="urn:microsoft.com/office/officeart/2005/8/layout/chevron1"/>
     <dgm:cxn modelId="{1953B909-29FA-4426-9F98-BEFD444AB4E6}" srcId="{F380FDE7-EFA6-4059-9845-CE6EDA216FE6}" destId="{1EA81A8D-4780-45BF-96C4-65176CCC56F7}" srcOrd="2" destOrd="0" parTransId="{F016153F-1725-4825-9359-306E58A5A52D}" sibTransId="{E764366A-2BC8-4F96-B97B-0FAFCFB198B1}"/>
+    <dgm:cxn modelId="{50583AB4-6588-4FDD-B9A5-D4F7DE9D7078}" type="presOf" srcId="{57039555-1564-4D48-80B0-23FC06EB42CA}" destId="{03A98877-0CC6-4CE1-BCE9-350807759886}" srcOrd="0" destOrd="0" presId="urn:microsoft.com/office/officeart/2005/8/layout/chevron1"/>
+    <dgm:cxn modelId="{E5BEA05C-3F95-42DA-AE7F-16D672D768E8}" type="presOf" srcId="{BC60D4DB-7D70-46F2-86E5-3A302FFA0213}" destId="{ADC49C50-2D7F-44A7-A17B-E33BE20372C7}" srcOrd="0" destOrd="0" presId="urn:microsoft.com/office/officeart/2005/8/layout/chevron1"/>
     <dgm:cxn modelId="{345EB432-D9DE-4BEB-BC90-2DB6B2140E63}" srcId="{F380FDE7-EFA6-4059-9845-CE6EDA216FE6}" destId="{BC60D4DB-7D70-46F2-86E5-3A302FFA0213}" srcOrd="0" destOrd="0" parTransId="{F861D1D3-BCD6-49E0-9A21-98B426A32826}" sibTransId="{52E01D98-44B1-4D2F-A7FF-963E297960E8}"/>
-    <dgm:cxn modelId="{E5BEA05C-3F95-42DA-AE7F-16D672D768E8}" type="presOf" srcId="{BC60D4DB-7D70-46F2-86E5-3A302FFA0213}" destId="{ADC49C50-2D7F-44A7-A17B-E33BE20372C7}" srcOrd="0" destOrd="0" presId="urn:microsoft.com/office/officeart/2005/8/layout/chevron1"/>
-    <dgm:cxn modelId="{FC1F5543-964F-46B8-85DD-2DBA471525F3}" type="presOf" srcId="{1B474F9A-EA7C-462A-8838-F58BDA1F2819}" destId="{008AA319-A465-4CAC-BC58-757F657DBD40}" srcOrd="0" destOrd="0" presId="urn:microsoft.com/office/officeart/2005/8/layout/chevron1"/>
+    <dgm:cxn modelId="{1A2ED3B9-0607-422D-8AB6-F0628C376FC1}" type="presOf" srcId="{F380FDE7-EFA6-4059-9845-CE6EDA216FE6}" destId="{0D8A5709-CD44-4C5A-A6B5-4D06C6C74647}" srcOrd="0" destOrd="0" presId="urn:microsoft.com/office/officeart/2005/8/layout/chevron1"/>
     <dgm:cxn modelId="{891CAC89-79A1-47AE-8780-951D2C716CB7}" srcId="{F380FDE7-EFA6-4059-9845-CE6EDA216FE6}" destId="{57039555-1564-4D48-80B0-23FC06EB42CA}" srcOrd="3" destOrd="0" parTransId="{9558D8C6-728D-434F-9A9D-4860312DDE22}" sibTransId="{7487F19D-A320-4C7B-960A-986A975690BA}"/>
-    <dgm:cxn modelId="{3BE170A5-6C02-432A-A83F-29AC475419FD}" srcId="{F380FDE7-EFA6-4059-9845-CE6EDA216FE6}" destId="{1B474F9A-EA7C-462A-8838-F58BDA1F2819}" srcOrd="1" destOrd="0" parTransId="{F655AFC7-9907-4C92-92A3-FA0EB63BD0D4}" sibTransId="{83290885-A745-453F-9D24-551F2D5E36EE}"/>
-    <dgm:cxn modelId="{50583AB4-6588-4FDD-B9A5-D4F7DE9D7078}" type="presOf" srcId="{57039555-1564-4D48-80B0-23FC06EB42CA}" destId="{03A98877-0CC6-4CE1-BCE9-350807759886}" srcOrd="0" destOrd="0" presId="urn:microsoft.com/office/officeart/2005/8/layout/chevron1"/>
-    <dgm:cxn modelId="{1A2ED3B9-0607-422D-8AB6-F0628C376FC1}" type="presOf" srcId="{F380FDE7-EFA6-4059-9845-CE6EDA216FE6}" destId="{0D8A5709-CD44-4C5A-A6B5-4D06C6C74647}" srcOrd="0" destOrd="0" presId="urn:microsoft.com/office/officeart/2005/8/layout/chevron1"/>
-    <dgm:cxn modelId="{1F8D92F0-64C1-4B89-88A6-08F1F4DD5B28}" type="presOf" srcId="{1EA81A8D-4780-45BF-96C4-65176CCC56F7}" destId="{F7AC5948-3111-4D84-B4CB-496EEE749521}" srcOrd="0" destOrd="0" presId="urn:microsoft.com/office/officeart/2005/8/layout/chevron1"/>
     <dgm:cxn modelId="{BE28E16B-B110-437C-AE0C-B89BBF7F61F9}" type="presParOf" srcId="{0D8A5709-CD44-4C5A-A6B5-4D06C6C74647}" destId="{ADC49C50-2D7F-44A7-A17B-E33BE20372C7}" srcOrd="0" destOrd="0" presId="urn:microsoft.com/office/officeart/2005/8/layout/chevron1"/>
     <dgm:cxn modelId="{69019FA6-57EB-4D38-9EBB-2B471D73ED0A}" type="presParOf" srcId="{0D8A5709-CD44-4C5A-A6B5-4D06C6C74647}" destId="{4B08C288-FC56-4C20-A767-71E4FC5ADBBF}" srcOrd="1" destOrd="0" presId="urn:microsoft.com/office/officeart/2005/8/layout/chevron1"/>
     <dgm:cxn modelId="{21153AE9-2F6C-46FD-AF55-6729857C6A58}" type="presParOf" srcId="{0D8A5709-CD44-4C5A-A6B5-4D06C6C74647}" destId="{008AA319-A465-4CAC-BC58-757F657DBD40}" srcOrd="2" destOrd="0" presId="urn:microsoft.com/office/officeart/2005/8/layout/chevron1"/>
@@ -11725,6 +12029,13 @@
         </dgm:presLayoutVars>
       </dgm:prSet>
       <dgm:spPr/>
+      <dgm:t>
+        <a:bodyPr/>
+        <a:lstStyle/>
+        <a:p>
+          <a:endParaRPr lang="de-DE"/>
+        </a:p>
+      </dgm:t>
     </dgm:pt>
     <dgm:pt modelId="{4B08C288-FC56-4C20-A767-71E4FC5ADBBF}" type="pres">
       <dgm:prSet presAssocID="{52E01D98-44B1-4D2F-A7FF-963E297960E8}" presName="parTxOnlySpace" presStyleCnt="0"/>
@@ -11739,6 +12050,13 @@
         </dgm:presLayoutVars>
       </dgm:prSet>
       <dgm:spPr/>
+      <dgm:t>
+        <a:bodyPr/>
+        <a:lstStyle/>
+        <a:p>
+          <a:endParaRPr lang="de-DE"/>
+        </a:p>
+      </dgm:t>
     </dgm:pt>
     <dgm:pt modelId="{8837ECAE-E76A-4B2D-837A-FBEA7F843E24}" type="pres">
       <dgm:prSet presAssocID="{83290885-A745-453F-9D24-551F2D5E36EE}" presName="parTxOnlySpace" presStyleCnt="0"/>
@@ -11753,6 +12071,13 @@
         </dgm:presLayoutVars>
       </dgm:prSet>
       <dgm:spPr/>
+      <dgm:t>
+        <a:bodyPr/>
+        <a:lstStyle/>
+        <a:p>
+          <a:endParaRPr lang="de-DE"/>
+        </a:p>
+      </dgm:t>
     </dgm:pt>
     <dgm:pt modelId="{3D117A13-58B7-4149-AEAD-96A80E29910E}" type="pres">
       <dgm:prSet presAssocID="{E764366A-2BC8-4F96-B97B-0FAFCFB198B1}" presName="parTxOnlySpace" presStyleCnt="0"/>
@@ -11767,18 +12092,25 @@
         </dgm:presLayoutVars>
       </dgm:prSet>
       <dgm:spPr/>
+      <dgm:t>
+        <a:bodyPr/>
+        <a:lstStyle/>
+        <a:p>
+          <a:endParaRPr lang="de-DE"/>
+        </a:p>
+      </dgm:t>
     </dgm:pt>
   </dgm:ptLst>
   <dgm:cxnLst>
+    <dgm:cxn modelId="{3BE170A5-6C02-432A-A83F-29AC475419FD}" srcId="{F380FDE7-EFA6-4059-9845-CE6EDA216FE6}" destId="{1B474F9A-EA7C-462A-8838-F58BDA1F2819}" srcOrd="1" destOrd="0" parTransId="{F655AFC7-9907-4C92-92A3-FA0EB63BD0D4}" sibTransId="{83290885-A745-453F-9D24-551F2D5E36EE}"/>
+    <dgm:cxn modelId="{1F8D92F0-64C1-4B89-88A6-08F1F4DD5B28}" type="presOf" srcId="{1EA81A8D-4780-45BF-96C4-65176CCC56F7}" destId="{F7AC5948-3111-4D84-B4CB-496EEE749521}" srcOrd="0" destOrd="0" presId="urn:microsoft.com/office/officeart/2005/8/layout/chevron1"/>
+    <dgm:cxn modelId="{FC1F5543-964F-46B8-85DD-2DBA471525F3}" type="presOf" srcId="{1B474F9A-EA7C-462A-8838-F58BDA1F2819}" destId="{008AA319-A465-4CAC-BC58-757F657DBD40}" srcOrd="0" destOrd="0" presId="urn:microsoft.com/office/officeart/2005/8/layout/chevron1"/>
     <dgm:cxn modelId="{1953B909-29FA-4426-9F98-BEFD444AB4E6}" srcId="{F380FDE7-EFA6-4059-9845-CE6EDA216FE6}" destId="{1EA81A8D-4780-45BF-96C4-65176CCC56F7}" srcOrd="2" destOrd="0" parTransId="{F016153F-1725-4825-9359-306E58A5A52D}" sibTransId="{E764366A-2BC8-4F96-B97B-0FAFCFB198B1}"/>
+    <dgm:cxn modelId="{50583AB4-6588-4FDD-B9A5-D4F7DE9D7078}" type="presOf" srcId="{57039555-1564-4D48-80B0-23FC06EB42CA}" destId="{03A98877-0CC6-4CE1-BCE9-350807759886}" srcOrd="0" destOrd="0" presId="urn:microsoft.com/office/officeart/2005/8/layout/chevron1"/>
+    <dgm:cxn modelId="{E5BEA05C-3F95-42DA-AE7F-16D672D768E8}" type="presOf" srcId="{BC60D4DB-7D70-46F2-86E5-3A302FFA0213}" destId="{ADC49C50-2D7F-44A7-A17B-E33BE20372C7}" srcOrd="0" destOrd="0" presId="urn:microsoft.com/office/officeart/2005/8/layout/chevron1"/>
     <dgm:cxn modelId="{345EB432-D9DE-4BEB-BC90-2DB6B2140E63}" srcId="{F380FDE7-EFA6-4059-9845-CE6EDA216FE6}" destId="{BC60D4DB-7D70-46F2-86E5-3A302FFA0213}" srcOrd="0" destOrd="0" parTransId="{F861D1D3-BCD6-49E0-9A21-98B426A32826}" sibTransId="{52E01D98-44B1-4D2F-A7FF-963E297960E8}"/>
-    <dgm:cxn modelId="{E5BEA05C-3F95-42DA-AE7F-16D672D768E8}" type="presOf" srcId="{BC60D4DB-7D70-46F2-86E5-3A302FFA0213}" destId="{ADC49C50-2D7F-44A7-A17B-E33BE20372C7}" srcOrd="0" destOrd="0" presId="urn:microsoft.com/office/officeart/2005/8/layout/chevron1"/>
-    <dgm:cxn modelId="{FC1F5543-964F-46B8-85DD-2DBA471525F3}" type="presOf" srcId="{1B474F9A-EA7C-462A-8838-F58BDA1F2819}" destId="{008AA319-A465-4CAC-BC58-757F657DBD40}" srcOrd="0" destOrd="0" presId="urn:microsoft.com/office/officeart/2005/8/layout/chevron1"/>
+    <dgm:cxn modelId="{1A2ED3B9-0607-422D-8AB6-F0628C376FC1}" type="presOf" srcId="{F380FDE7-EFA6-4059-9845-CE6EDA216FE6}" destId="{0D8A5709-CD44-4C5A-A6B5-4D06C6C74647}" srcOrd="0" destOrd="0" presId="urn:microsoft.com/office/officeart/2005/8/layout/chevron1"/>
     <dgm:cxn modelId="{891CAC89-79A1-47AE-8780-951D2C716CB7}" srcId="{F380FDE7-EFA6-4059-9845-CE6EDA216FE6}" destId="{57039555-1564-4D48-80B0-23FC06EB42CA}" srcOrd="3" destOrd="0" parTransId="{9558D8C6-728D-434F-9A9D-4860312DDE22}" sibTransId="{7487F19D-A320-4C7B-960A-986A975690BA}"/>
-    <dgm:cxn modelId="{3BE170A5-6C02-432A-A83F-29AC475419FD}" srcId="{F380FDE7-EFA6-4059-9845-CE6EDA216FE6}" destId="{1B474F9A-EA7C-462A-8838-F58BDA1F2819}" srcOrd="1" destOrd="0" parTransId="{F655AFC7-9907-4C92-92A3-FA0EB63BD0D4}" sibTransId="{83290885-A745-453F-9D24-551F2D5E36EE}"/>
-    <dgm:cxn modelId="{50583AB4-6588-4FDD-B9A5-D4F7DE9D7078}" type="presOf" srcId="{57039555-1564-4D48-80B0-23FC06EB42CA}" destId="{03A98877-0CC6-4CE1-BCE9-350807759886}" srcOrd="0" destOrd="0" presId="urn:microsoft.com/office/officeart/2005/8/layout/chevron1"/>
-    <dgm:cxn modelId="{1A2ED3B9-0607-422D-8AB6-F0628C376FC1}" type="presOf" srcId="{F380FDE7-EFA6-4059-9845-CE6EDA216FE6}" destId="{0D8A5709-CD44-4C5A-A6B5-4D06C6C74647}" srcOrd="0" destOrd="0" presId="urn:microsoft.com/office/officeart/2005/8/layout/chevron1"/>
-    <dgm:cxn modelId="{1F8D92F0-64C1-4B89-88A6-08F1F4DD5B28}" type="presOf" srcId="{1EA81A8D-4780-45BF-96C4-65176CCC56F7}" destId="{F7AC5948-3111-4D84-B4CB-496EEE749521}" srcOrd="0" destOrd="0" presId="urn:microsoft.com/office/officeart/2005/8/layout/chevron1"/>
     <dgm:cxn modelId="{BE28E16B-B110-437C-AE0C-B89BBF7F61F9}" type="presParOf" srcId="{0D8A5709-CD44-4C5A-A6B5-4D06C6C74647}" destId="{ADC49C50-2D7F-44A7-A17B-E33BE20372C7}" srcOrd="0" destOrd="0" presId="urn:microsoft.com/office/officeart/2005/8/layout/chevron1"/>
     <dgm:cxn modelId="{69019FA6-57EB-4D38-9EBB-2B471D73ED0A}" type="presParOf" srcId="{0D8A5709-CD44-4C5A-A6B5-4D06C6C74647}" destId="{4B08C288-FC56-4C20-A767-71E4FC5ADBBF}" srcOrd="1" destOrd="0" presId="urn:microsoft.com/office/officeart/2005/8/layout/chevron1"/>
     <dgm:cxn modelId="{21153AE9-2F6C-46FD-AF55-6729857C6A58}" type="presParOf" srcId="{0D8A5709-CD44-4C5A-A6B5-4D06C6C74647}" destId="{008AA319-A465-4CAC-BC58-757F657DBD40}" srcOrd="2" destOrd="0" presId="urn:microsoft.com/office/officeart/2005/8/layout/chevron1"/>
@@ -11987,6 +12319,13 @@
         </dgm:presLayoutVars>
       </dgm:prSet>
       <dgm:spPr/>
+      <dgm:t>
+        <a:bodyPr/>
+        <a:lstStyle/>
+        <a:p>
+          <a:endParaRPr lang="de-DE"/>
+        </a:p>
+      </dgm:t>
     </dgm:pt>
     <dgm:pt modelId="{4B08C288-FC56-4C20-A767-71E4FC5ADBBF}" type="pres">
       <dgm:prSet presAssocID="{52E01D98-44B1-4D2F-A7FF-963E297960E8}" presName="parTxOnlySpace" presStyleCnt="0"/>
@@ -12001,6 +12340,13 @@
         </dgm:presLayoutVars>
       </dgm:prSet>
       <dgm:spPr/>
+      <dgm:t>
+        <a:bodyPr/>
+        <a:lstStyle/>
+        <a:p>
+          <a:endParaRPr lang="de-DE"/>
+        </a:p>
+      </dgm:t>
     </dgm:pt>
     <dgm:pt modelId="{8837ECAE-E76A-4B2D-837A-FBEA7F843E24}" type="pres">
       <dgm:prSet presAssocID="{83290885-A745-453F-9D24-551F2D5E36EE}" presName="parTxOnlySpace" presStyleCnt="0"/>
@@ -12015,6 +12361,13 @@
         </dgm:presLayoutVars>
       </dgm:prSet>
       <dgm:spPr/>
+      <dgm:t>
+        <a:bodyPr/>
+        <a:lstStyle/>
+        <a:p>
+          <a:endParaRPr lang="de-DE"/>
+        </a:p>
+      </dgm:t>
     </dgm:pt>
     <dgm:pt modelId="{3D117A13-58B7-4149-AEAD-96A80E29910E}" type="pres">
       <dgm:prSet presAssocID="{E764366A-2BC8-4F96-B97B-0FAFCFB198B1}" presName="parTxOnlySpace" presStyleCnt="0"/>
@@ -12029,18 +12382,25 @@
         </dgm:presLayoutVars>
       </dgm:prSet>
       <dgm:spPr/>
+      <dgm:t>
+        <a:bodyPr/>
+        <a:lstStyle/>
+        <a:p>
+          <a:endParaRPr lang="de-DE"/>
+        </a:p>
+      </dgm:t>
     </dgm:pt>
   </dgm:ptLst>
   <dgm:cxnLst>
+    <dgm:cxn modelId="{3BE170A5-6C02-432A-A83F-29AC475419FD}" srcId="{F380FDE7-EFA6-4059-9845-CE6EDA216FE6}" destId="{1B474F9A-EA7C-462A-8838-F58BDA1F2819}" srcOrd="1" destOrd="0" parTransId="{F655AFC7-9907-4C92-92A3-FA0EB63BD0D4}" sibTransId="{83290885-A745-453F-9D24-551F2D5E36EE}"/>
+    <dgm:cxn modelId="{1F8D92F0-64C1-4B89-88A6-08F1F4DD5B28}" type="presOf" srcId="{1EA81A8D-4780-45BF-96C4-65176CCC56F7}" destId="{F7AC5948-3111-4D84-B4CB-496EEE749521}" srcOrd="0" destOrd="0" presId="urn:microsoft.com/office/officeart/2005/8/layout/chevron1"/>
+    <dgm:cxn modelId="{FC1F5543-964F-46B8-85DD-2DBA471525F3}" type="presOf" srcId="{1B474F9A-EA7C-462A-8838-F58BDA1F2819}" destId="{008AA319-A465-4CAC-BC58-757F657DBD40}" srcOrd="0" destOrd="0" presId="urn:microsoft.com/office/officeart/2005/8/layout/chevron1"/>
     <dgm:cxn modelId="{1953B909-29FA-4426-9F98-BEFD444AB4E6}" srcId="{F380FDE7-EFA6-4059-9845-CE6EDA216FE6}" destId="{1EA81A8D-4780-45BF-96C4-65176CCC56F7}" srcOrd="2" destOrd="0" parTransId="{F016153F-1725-4825-9359-306E58A5A52D}" sibTransId="{E764366A-2BC8-4F96-B97B-0FAFCFB198B1}"/>
+    <dgm:cxn modelId="{50583AB4-6588-4FDD-B9A5-D4F7DE9D7078}" type="presOf" srcId="{57039555-1564-4D48-80B0-23FC06EB42CA}" destId="{03A98877-0CC6-4CE1-BCE9-350807759886}" srcOrd="0" destOrd="0" presId="urn:microsoft.com/office/officeart/2005/8/layout/chevron1"/>
+    <dgm:cxn modelId="{E5BEA05C-3F95-42DA-AE7F-16D672D768E8}" type="presOf" srcId="{BC60D4DB-7D70-46F2-86E5-3A302FFA0213}" destId="{ADC49C50-2D7F-44A7-A17B-E33BE20372C7}" srcOrd="0" destOrd="0" presId="urn:microsoft.com/office/officeart/2005/8/layout/chevron1"/>
     <dgm:cxn modelId="{345EB432-D9DE-4BEB-BC90-2DB6B2140E63}" srcId="{F380FDE7-EFA6-4059-9845-CE6EDA216FE6}" destId="{BC60D4DB-7D70-46F2-86E5-3A302FFA0213}" srcOrd="0" destOrd="0" parTransId="{F861D1D3-BCD6-49E0-9A21-98B426A32826}" sibTransId="{52E01D98-44B1-4D2F-A7FF-963E297960E8}"/>
-    <dgm:cxn modelId="{E5BEA05C-3F95-42DA-AE7F-16D672D768E8}" type="presOf" srcId="{BC60D4DB-7D70-46F2-86E5-3A302FFA0213}" destId="{ADC49C50-2D7F-44A7-A17B-E33BE20372C7}" srcOrd="0" destOrd="0" presId="urn:microsoft.com/office/officeart/2005/8/layout/chevron1"/>
-    <dgm:cxn modelId="{FC1F5543-964F-46B8-85DD-2DBA471525F3}" type="presOf" srcId="{1B474F9A-EA7C-462A-8838-F58BDA1F2819}" destId="{008AA319-A465-4CAC-BC58-757F657DBD40}" srcOrd="0" destOrd="0" presId="urn:microsoft.com/office/officeart/2005/8/layout/chevron1"/>
+    <dgm:cxn modelId="{1A2ED3B9-0607-422D-8AB6-F0628C376FC1}" type="presOf" srcId="{F380FDE7-EFA6-4059-9845-CE6EDA216FE6}" destId="{0D8A5709-CD44-4C5A-A6B5-4D06C6C74647}" srcOrd="0" destOrd="0" presId="urn:microsoft.com/office/officeart/2005/8/layout/chevron1"/>
     <dgm:cxn modelId="{891CAC89-79A1-47AE-8780-951D2C716CB7}" srcId="{F380FDE7-EFA6-4059-9845-CE6EDA216FE6}" destId="{57039555-1564-4D48-80B0-23FC06EB42CA}" srcOrd="3" destOrd="0" parTransId="{9558D8C6-728D-434F-9A9D-4860312DDE22}" sibTransId="{7487F19D-A320-4C7B-960A-986A975690BA}"/>
-    <dgm:cxn modelId="{3BE170A5-6C02-432A-A83F-29AC475419FD}" srcId="{F380FDE7-EFA6-4059-9845-CE6EDA216FE6}" destId="{1B474F9A-EA7C-462A-8838-F58BDA1F2819}" srcOrd="1" destOrd="0" parTransId="{F655AFC7-9907-4C92-92A3-FA0EB63BD0D4}" sibTransId="{83290885-A745-453F-9D24-551F2D5E36EE}"/>
-    <dgm:cxn modelId="{50583AB4-6588-4FDD-B9A5-D4F7DE9D7078}" type="presOf" srcId="{57039555-1564-4D48-80B0-23FC06EB42CA}" destId="{03A98877-0CC6-4CE1-BCE9-350807759886}" srcOrd="0" destOrd="0" presId="urn:microsoft.com/office/officeart/2005/8/layout/chevron1"/>
-    <dgm:cxn modelId="{1A2ED3B9-0607-422D-8AB6-F0628C376FC1}" type="presOf" srcId="{F380FDE7-EFA6-4059-9845-CE6EDA216FE6}" destId="{0D8A5709-CD44-4C5A-A6B5-4D06C6C74647}" srcOrd="0" destOrd="0" presId="urn:microsoft.com/office/officeart/2005/8/layout/chevron1"/>
-    <dgm:cxn modelId="{1F8D92F0-64C1-4B89-88A6-08F1F4DD5B28}" type="presOf" srcId="{1EA81A8D-4780-45BF-96C4-65176CCC56F7}" destId="{F7AC5948-3111-4D84-B4CB-496EEE749521}" srcOrd="0" destOrd="0" presId="urn:microsoft.com/office/officeart/2005/8/layout/chevron1"/>
     <dgm:cxn modelId="{BE28E16B-B110-437C-AE0C-B89BBF7F61F9}" type="presParOf" srcId="{0D8A5709-CD44-4C5A-A6B5-4D06C6C74647}" destId="{ADC49C50-2D7F-44A7-A17B-E33BE20372C7}" srcOrd="0" destOrd="0" presId="urn:microsoft.com/office/officeart/2005/8/layout/chevron1"/>
     <dgm:cxn modelId="{69019FA6-57EB-4D38-9EBB-2B471D73ED0A}" type="presParOf" srcId="{0D8A5709-CD44-4C5A-A6B5-4D06C6C74647}" destId="{4B08C288-FC56-4C20-A767-71E4FC5ADBBF}" srcOrd="1" destOrd="0" presId="urn:microsoft.com/office/officeart/2005/8/layout/chevron1"/>
     <dgm:cxn modelId="{21153AE9-2F6C-46FD-AF55-6729857C6A58}" type="presParOf" srcId="{0D8A5709-CD44-4C5A-A6B5-4D06C6C74647}" destId="{008AA319-A465-4CAC-BC58-757F657DBD40}" srcOrd="2" destOrd="0" presId="urn:microsoft.com/office/officeart/2005/8/layout/chevron1"/>
@@ -12249,6 +12609,13 @@
         </dgm:presLayoutVars>
       </dgm:prSet>
       <dgm:spPr/>
+      <dgm:t>
+        <a:bodyPr/>
+        <a:lstStyle/>
+        <a:p>
+          <a:endParaRPr lang="de-DE"/>
+        </a:p>
+      </dgm:t>
     </dgm:pt>
     <dgm:pt modelId="{4B08C288-FC56-4C20-A767-71E4FC5ADBBF}" type="pres">
       <dgm:prSet presAssocID="{52E01D98-44B1-4D2F-A7FF-963E297960E8}" presName="parTxOnlySpace" presStyleCnt="0"/>
@@ -12263,6 +12630,13 @@
         </dgm:presLayoutVars>
       </dgm:prSet>
       <dgm:spPr/>
+      <dgm:t>
+        <a:bodyPr/>
+        <a:lstStyle/>
+        <a:p>
+          <a:endParaRPr lang="de-DE"/>
+        </a:p>
+      </dgm:t>
     </dgm:pt>
     <dgm:pt modelId="{8837ECAE-E76A-4B2D-837A-FBEA7F843E24}" type="pres">
       <dgm:prSet presAssocID="{83290885-A745-453F-9D24-551F2D5E36EE}" presName="parTxOnlySpace" presStyleCnt="0"/>
@@ -12277,6 +12651,13 @@
         </dgm:presLayoutVars>
       </dgm:prSet>
       <dgm:spPr/>
+      <dgm:t>
+        <a:bodyPr/>
+        <a:lstStyle/>
+        <a:p>
+          <a:endParaRPr lang="de-DE"/>
+        </a:p>
+      </dgm:t>
     </dgm:pt>
     <dgm:pt modelId="{3D117A13-58B7-4149-AEAD-96A80E29910E}" type="pres">
       <dgm:prSet presAssocID="{E764366A-2BC8-4F96-B97B-0FAFCFB198B1}" presName="parTxOnlySpace" presStyleCnt="0"/>
@@ -12291,18 +12672,25 @@
         </dgm:presLayoutVars>
       </dgm:prSet>
       <dgm:spPr/>
+      <dgm:t>
+        <a:bodyPr/>
+        <a:lstStyle/>
+        <a:p>
+          <a:endParaRPr lang="de-DE"/>
+        </a:p>
+      </dgm:t>
     </dgm:pt>
   </dgm:ptLst>
   <dgm:cxnLst>
+    <dgm:cxn modelId="{3BE170A5-6C02-432A-A83F-29AC475419FD}" srcId="{F380FDE7-EFA6-4059-9845-CE6EDA216FE6}" destId="{1B474F9A-EA7C-462A-8838-F58BDA1F2819}" srcOrd="1" destOrd="0" parTransId="{F655AFC7-9907-4C92-92A3-FA0EB63BD0D4}" sibTransId="{83290885-A745-453F-9D24-551F2D5E36EE}"/>
+    <dgm:cxn modelId="{1F8D92F0-64C1-4B89-88A6-08F1F4DD5B28}" type="presOf" srcId="{1EA81A8D-4780-45BF-96C4-65176CCC56F7}" destId="{F7AC5948-3111-4D84-B4CB-496EEE749521}" srcOrd="0" destOrd="0" presId="urn:microsoft.com/office/officeart/2005/8/layout/chevron1"/>
+    <dgm:cxn modelId="{FC1F5543-964F-46B8-85DD-2DBA471525F3}" type="presOf" srcId="{1B474F9A-EA7C-462A-8838-F58BDA1F2819}" destId="{008AA319-A465-4CAC-BC58-757F657DBD40}" srcOrd="0" destOrd="0" presId="urn:microsoft.com/office/officeart/2005/8/layout/chevron1"/>
     <dgm:cxn modelId="{1953B909-29FA-4426-9F98-BEFD444AB4E6}" srcId="{F380FDE7-EFA6-4059-9845-CE6EDA216FE6}" destId="{1EA81A8D-4780-45BF-96C4-65176CCC56F7}" srcOrd="2" destOrd="0" parTransId="{F016153F-1725-4825-9359-306E58A5A52D}" sibTransId="{E764366A-2BC8-4F96-B97B-0FAFCFB198B1}"/>
+    <dgm:cxn modelId="{50583AB4-6588-4FDD-B9A5-D4F7DE9D7078}" type="presOf" srcId="{57039555-1564-4D48-80B0-23FC06EB42CA}" destId="{03A98877-0CC6-4CE1-BCE9-350807759886}" srcOrd="0" destOrd="0" presId="urn:microsoft.com/office/officeart/2005/8/layout/chevron1"/>
+    <dgm:cxn modelId="{E5BEA05C-3F95-42DA-AE7F-16D672D768E8}" type="presOf" srcId="{BC60D4DB-7D70-46F2-86E5-3A302FFA0213}" destId="{ADC49C50-2D7F-44A7-A17B-E33BE20372C7}" srcOrd="0" destOrd="0" presId="urn:microsoft.com/office/officeart/2005/8/layout/chevron1"/>
     <dgm:cxn modelId="{345EB432-D9DE-4BEB-BC90-2DB6B2140E63}" srcId="{F380FDE7-EFA6-4059-9845-CE6EDA216FE6}" destId="{BC60D4DB-7D70-46F2-86E5-3A302FFA0213}" srcOrd="0" destOrd="0" parTransId="{F861D1D3-BCD6-49E0-9A21-98B426A32826}" sibTransId="{52E01D98-44B1-4D2F-A7FF-963E297960E8}"/>
-    <dgm:cxn modelId="{E5BEA05C-3F95-42DA-AE7F-16D672D768E8}" type="presOf" srcId="{BC60D4DB-7D70-46F2-86E5-3A302FFA0213}" destId="{ADC49C50-2D7F-44A7-A17B-E33BE20372C7}" srcOrd="0" destOrd="0" presId="urn:microsoft.com/office/officeart/2005/8/layout/chevron1"/>
-    <dgm:cxn modelId="{FC1F5543-964F-46B8-85DD-2DBA471525F3}" type="presOf" srcId="{1B474F9A-EA7C-462A-8838-F58BDA1F2819}" destId="{008AA319-A465-4CAC-BC58-757F657DBD40}" srcOrd="0" destOrd="0" presId="urn:microsoft.com/office/officeart/2005/8/layout/chevron1"/>
+    <dgm:cxn modelId="{1A2ED3B9-0607-422D-8AB6-F0628C376FC1}" type="presOf" srcId="{F380FDE7-EFA6-4059-9845-CE6EDA216FE6}" destId="{0D8A5709-CD44-4C5A-A6B5-4D06C6C74647}" srcOrd="0" destOrd="0" presId="urn:microsoft.com/office/officeart/2005/8/layout/chevron1"/>
     <dgm:cxn modelId="{891CAC89-79A1-47AE-8780-951D2C716CB7}" srcId="{F380FDE7-EFA6-4059-9845-CE6EDA216FE6}" destId="{57039555-1564-4D48-80B0-23FC06EB42CA}" srcOrd="3" destOrd="0" parTransId="{9558D8C6-728D-434F-9A9D-4860312DDE22}" sibTransId="{7487F19D-A320-4C7B-960A-986A975690BA}"/>
-    <dgm:cxn modelId="{3BE170A5-6C02-432A-A83F-29AC475419FD}" srcId="{F380FDE7-EFA6-4059-9845-CE6EDA216FE6}" destId="{1B474F9A-EA7C-462A-8838-F58BDA1F2819}" srcOrd="1" destOrd="0" parTransId="{F655AFC7-9907-4C92-92A3-FA0EB63BD0D4}" sibTransId="{83290885-A745-453F-9D24-551F2D5E36EE}"/>
-    <dgm:cxn modelId="{50583AB4-6588-4FDD-B9A5-D4F7DE9D7078}" type="presOf" srcId="{57039555-1564-4D48-80B0-23FC06EB42CA}" destId="{03A98877-0CC6-4CE1-BCE9-350807759886}" srcOrd="0" destOrd="0" presId="urn:microsoft.com/office/officeart/2005/8/layout/chevron1"/>
-    <dgm:cxn modelId="{1A2ED3B9-0607-422D-8AB6-F0628C376FC1}" type="presOf" srcId="{F380FDE7-EFA6-4059-9845-CE6EDA216FE6}" destId="{0D8A5709-CD44-4C5A-A6B5-4D06C6C74647}" srcOrd="0" destOrd="0" presId="urn:microsoft.com/office/officeart/2005/8/layout/chevron1"/>
-    <dgm:cxn modelId="{1F8D92F0-64C1-4B89-88A6-08F1F4DD5B28}" type="presOf" srcId="{1EA81A8D-4780-45BF-96C4-65176CCC56F7}" destId="{F7AC5948-3111-4D84-B4CB-496EEE749521}" srcOrd="0" destOrd="0" presId="urn:microsoft.com/office/officeart/2005/8/layout/chevron1"/>
     <dgm:cxn modelId="{BE28E16B-B110-437C-AE0C-B89BBF7F61F9}" type="presParOf" srcId="{0D8A5709-CD44-4C5A-A6B5-4D06C6C74647}" destId="{ADC49C50-2D7F-44A7-A17B-E33BE20372C7}" srcOrd="0" destOrd="0" presId="urn:microsoft.com/office/officeart/2005/8/layout/chevron1"/>
     <dgm:cxn modelId="{69019FA6-57EB-4D38-9EBB-2B471D73ED0A}" type="presParOf" srcId="{0D8A5709-CD44-4C5A-A6B5-4D06C6C74647}" destId="{4B08C288-FC56-4C20-A767-71E4FC5ADBBF}" srcOrd="1" destOrd="0" presId="urn:microsoft.com/office/officeart/2005/8/layout/chevron1"/>
     <dgm:cxn modelId="{21153AE9-2F6C-46FD-AF55-6729857C6A58}" type="presParOf" srcId="{0D8A5709-CD44-4C5A-A6B5-4D06C6C74647}" destId="{008AA319-A465-4CAC-BC58-757F657DBD40}" srcOrd="2" destOrd="0" presId="urn:microsoft.com/office/officeart/2005/8/layout/chevron1"/>
@@ -12419,7 +12807,7 @@
         </a:bodyPr>
         <a:lstStyle/>
         <a:p>
-          <a:pPr marL="0" lvl="0" indent="0" algn="ctr" defTabSz="889000">
+          <a:pPr lvl="0" algn="ctr" defTabSz="889000">
             <a:lnSpc>
               <a:spcPct val="90000"/>
             </a:lnSpc>
@@ -12429,7 +12817,6 @@
             <a:spcAft>
               <a:spcPct val="35000"/>
             </a:spcAft>
-            <a:buNone/>
           </a:pPr>
           <a:r>
             <a:rPr lang="de-DE" sz="2000" kern="1200" dirty="0"/>
@@ -12528,7 +12915,7 @@
         </a:bodyPr>
         <a:lstStyle/>
         <a:p>
-          <a:pPr marL="0" lvl="0" indent="0" algn="ctr" defTabSz="889000">
+          <a:pPr lvl="0" algn="ctr" defTabSz="889000">
             <a:lnSpc>
               <a:spcPct val="90000"/>
             </a:lnSpc>
@@ -12538,7 +12925,6 @@
             <a:spcAft>
               <a:spcPct val="35000"/>
             </a:spcAft>
-            <a:buNone/>
           </a:pPr>
           <a:r>
             <a:rPr lang="de-DE" sz="2000" kern="1200" dirty="0"/>
@@ -12638,7 +13024,7 @@
         </a:bodyPr>
         <a:lstStyle/>
         <a:p>
-          <a:pPr marL="0" lvl="0" indent="0" algn="ctr" defTabSz="889000">
+          <a:pPr lvl="0" algn="ctr" defTabSz="889000">
             <a:lnSpc>
               <a:spcPct val="90000"/>
             </a:lnSpc>
@@ -12648,7 +13034,6 @@
             <a:spcAft>
               <a:spcPct val="35000"/>
             </a:spcAft>
-            <a:buNone/>
           </a:pPr>
           <a:r>
             <a:rPr lang="de-DE" sz="2000" kern="1200" dirty="0"/>
@@ -12723,7 +13108,7 @@
         </a:bodyPr>
         <a:lstStyle/>
         <a:p>
-          <a:pPr marL="0" lvl="0" indent="0" algn="ctr" defTabSz="1066800">
+          <a:pPr lvl="0" algn="ctr" defTabSz="1066800">
             <a:lnSpc>
               <a:spcPct val="90000"/>
             </a:lnSpc>
@@ -12733,7 +13118,6 @@
             <a:spcAft>
               <a:spcPct val="35000"/>
             </a:spcAft>
-            <a:buNone/>
           </a:pPr>
           <a:r>
             <a:rPr lang="de-DE" sz="2400" kern="1200" dirty="0"/>
@@ -12795,7 +13179,7 @@
         </a:bodyPr>
         <a:lstStyle/>
         <a:p>
-          <a:pPr marL="0" lvl="0" indent="0" algn="ctr" defTabSz="1066800">
+          <a:pPr lvl="0" algn="ctr" defTabSz="1066800">
             <a:lnSpc>
               <a:spcPct val="90000"/>
             </a:lnSpc>
@@ -12805,7 +13189,6 @@
             <a:spcAft>
               <a:spcPct val="35000"/>
             </a:spcAft>
-            <a:buNone/>
           </a:pPr>
           <a:r>
             <a:rPr lang="de-DE" sz="2400" kern="1200" dirty="0"/>
@@ -12867,7 +13250,7 @@
         </a:bodyPr>
         <a:lstStyle/>
         <a:p>
-          <a:pPr marL="0" lvl="0" indent="0" algn="ctr" defTabSz="1066800">
+          <a:pPr lvl="0" algn="ctr" defTabSz="1066800">
             <a:lnSpc>
               <a:spcPct val="90000"/>
             </a:lnSpc>
@@ -12877,7 +13260,6 @@
             <a:spcAft>
               <a:spcPct val="35000"/>
             </a:spcAft>
-            <a:buNone/>
           </a:pPr>
           <a:r>
             <a:rPr lang="de-DE" sz="2400" kern="1200" dirty="0"/>
@@ -12939,7 +13321,7 @@
         </a:bodyPr>
         <a:lstStyle/>
         <a:p>
-          <a:pPr marL="0" lvl="0" indent="0" algn="ctr" defTabSz="1066800">
+          <a:pPr lvl="0" algn="ctr" defTabSz="1066800">
             <a:lnSpc>
               <a:spcPct val="90000"/>
             </a:lnSpc>
@@ -12949,7 +13331,6 @@
             <a:spcAft>
               <a:spcPct val="35000"/>
             </a:spcAft>
-            <a:buNone/>
           </a:pPr>
           <a:r>
             <a:rPr lang="de-DE" sz="2400" kern="1200" dirty="0"/>
@@ -13023,7 +13404,7 @@
         </a:bodyPr>
         <a:lstStyle/>
         <a:p>
-          <a:pPr marL="0" lvl="0" indent="0" algn="ctr" defTabSz="1066800">
+          <a:pPr lvl="0" algn="ctr" defTabSz="1066800">
             <a:lnSpc>
               <a:spcPct val="90000"/>
             </a:lnSpc>
@@ -13033,7 +13414,6 @@
             <a:spcAft>
               <a:spcPct val="35000"/>
             </a:spcAft>
-            <a:buNone/>
           </a:pPr>
           <a:r>
             <a:rPr lang="de-DE" sz="2400" kern="1200" dirty="0"/>
@@ -13095,7 +13475,7 @@
         </a:bodyPr>
         <a:lstStyle/>
         <a:p>
-          <a:pPr marL="0" lvl="0" indent="0" algn="ctr" defTabSz="1066800">
+          <a:pPr lvl="0" algn="ctr" defTabSz="1066800">
             <a:lnSpc>
               <a:spcPct val="90000"/>
             </a:lnSpc>
@@ -13105,7 +13485,6 @@
             <a:spcAft>
               <a:spcPct val="35000"/>
             </a:spcAft>
-            <a:buNone/>
           </a:pPr>
           <a:r>
             <a:rPr lang="de-DE" sz="2400" kern="1200" dirty="0"/>
@@ -13167,7 +13546,7 @@
         </a:bodyPr>
         <a:lstStyle/>
         <a:p>
-          <a:pPr marL="0" lvl="0" indent="0" algn="ctr" defTabSz="1066800">
+          <a:pPr lvl="0" algn="ctr" defTabSz="1066800">
             <a:lnSpc>
               <a:spcPct val="90000"/>
             </a:lnSpc>
@@ -13177,7 +13556,6 @@
             <a:spcAft>
               <a:spcPct val="35000"/>
             </a:spcAft>
-            <a:buNone/>
           </a:pPr>
           <a:r>
             <a:rPr lang="de-DE" sz="2400" kern="1200" dirty="0"/>
@@ -13239,7 +13617,7 @@
         </a:bodyPr>
         <a:lstStyle/>
         <a:p>
-          <a:pPr marL="0" lvl="0" indent="0" algn="ctr" defTabSz="1066800">
+          <a:pPr lvl="0" algn="ctr" defTabSz="1066800">
             <a:lnSpc>
               <a:spcPct val="90000"/>
             </a:lnSpc>
@@ -13249,7 +13627,6 @@
             <a:spcAft>
               <a:spcPct val="35000"/>
             </a:spcAft>
-            <a:buNone/>
           </a:pPr>
           <a:r>
             <a:rPr lang="de-DE" sz="2400" kern="1200" dirty="0"/>
@@ -13323,7 +13700,7 @@
         </a:bodyPr>
         <a:lstStyle/>
         <a:p>
-          <a:pPr marL="0" lvl="0" indent="0" algn="ctr" defTabSz="1066800">
+          <a:pPr lvl="0" algn="ctr" defTabSz="1066800">
             <a:lnSpc>
               <a:spcPct val="90000"/>
             </a:lnSpc>
@@ -13333,7 +13710,6 @@
             <a:spcAft>
               <a:spcPct val="35000"/>
             </a:spcAft>
-            <a:buNone/>
           </a:pPr>
           <a:r>
             <a:rPr lang="de-DE" sz="2400" kern="1200" dirty="0"/>
@@ -13395,7 +13771,7 @@
         </a:bodyPr>
         <a:lstStyle/>
         <a:p>
-          <a:pPr marL="0" lvl="0" indent="0" algn="ctr" defTabSz="1066800">
+          <a:pPr lvl="0" algn="ctr" defTabSz="1066800">
             <a:lnSpc>
               <a:spcPct val="90000"/>
             </a:lnSpc>
@@ -13405,7 +13781,6 @@
             <a:spcAft>
               <a:spcPct val="35000"/>
             </a:spcAft>
-            <a:buNone/>
           </a:pPr>
           <a:r>
             <a:rPr lang="de-DE" sz="2400" kern="1200" dirty="0"/>
@@ -13467,7 +13842,7 @@
         </a:bodyPr>
         <a:lstStyle/>
         <a:p>
-          <a:pPr marL="0" lvl="0" indent="0" algn="ctr" defTabSz="1066800">
+          <a:pPr lvl="0" algn="ctr" defTabSz="1066800">
             <a:lnSpc>
               <a:spcPct val="90000"/>
             </a:lnSpc>
@@ -13477,7 +13852,6 @@
             <a:spcAft>
               <a:spcPct val="35000"/>
             </a:spcAft>
-            <a:buNone/>
           </a:pPr>
           <a:r>
             <a:rPr lang="de-DE" sz="2400" kern="1200" dirty="0"/>
@@ -13539,7 +13913,7 @@
         </a:bodyPr>
         <a:lstStyle/>
         <a:p>
-          <a:pPr marL="0" lvl="0" indent="0" algn="ctr" defTabSz="1066800">
+          <a:pPr lvl="0" algn="ctr" defTabSz="1066800">
             <a:lnSpc>
               <a:spcPct val="90000"/>
             </a:lnSpc>
@@ -13549,7 +13923,6 @@
             <a:spcAft>
               <a:spcPct val="35000"/>
             </a:spcAft>
-            <a:buNone/>
           </a:pPr>
           <a:r>
             <a:rPr lang="de-DE" sz="2400" kern="1200" dirty="0"/>
@@ -13623,7 +13996,7 @@
         </a:bodyPr>
         <a:lstStyle/>
         <a:p>
-          <a:pPr marL="0" lvl="0" indent="0" algn="ctr" defTabSz="1066800">
+          <a:pPr lvl="0" algn="ctr" defTabSz="1066800">
             <a:lnSpc>
               <a:spcPct val="90000"/>
             </a:lnSpc>
@@ -13633,7 +14006,6 @@
             <a:spcAft>
               <a:spcPct val="35000"/>
             </a:spcAft>
-            <a:buNone/>
           </a:pPr>
           <a:r>
             <a:rPr lang="de-DE" sz="2400" kern="1200" dirty="0"/>
@@ -13695,7 +14067,7 @@
         </a:bodyPr>
         <a:lstStyle/>
         <a:p>
-          <a:pPr marL="0" lvl="0" indent="0" algn="ctr" defTabSz="1066800">
+          <a:pPr lvl="0" algn="ctr" defTabSz="1066800">
             <a:lnSpc>
               <a:spcPct val="90000"/>
             </a:lnSpc>
@@ -13705,7 +14077,6 @@
             <a:spcAft>
               <a:spcPct val="35000"/>
             </a:spcAft>
-            <a:buNone/>
           </a:pPr>
           <a:r>
             <a:rPr lang="de-DE" sz="2400" kern="1200" dirty="0"/>
@@ -13767,7 +14138,7 @@
         </a:bodyPr>
         <a:lstStyle/>
         <a:p>
-          <a:pPr marL="0" lvl="0" indent="0" algn="ctr" defTabSz="1066800">
+          <a:pPr lvl="0" algn="ctr" defTabSz="1066800">
             <a:lnSpc>
               <a:spcPct val="90000"/>
             </a:lnSpc>
@@ -13777,7 +14148,6 @@
             <a:spcAft>
               <a:spcPct val="35000"/>
             </a:spcAft>
-            <a:buNone/>
           </a:pPr>
           <a:r>
             <a:rPr lang="de-DE" sz="2400" kern="1200" dirty="0"/>
@@ -13839,7 +14209,7 @@
         </a:bodyPr>
         <a:lstStyle/>
         <a:p>
-          <a:pPr marL="0" lvl="0" indent="0" algn="ctr" defTabSz="1066800">
+          <a:pPr lvl="0" algn="ctr" defTabSz="1066800">
             <a:lnSpc>
               <a:spcPct val="90000"/>
             </a:lnSpc>
@@ -13849,7 +14219,6 @@
             <a:spcAft>
               <a:spcPct val="35000"/>
             </a:spcAft>
-            <a:buNone/>
           </a:pPr>
           <a:r>
             <a:rPr lang="de-DE" sz="2400" kern="1200" dirty="0"/>
@@ -13923,7 +14292,7 @@
         </a:bodyPr>
         <a:lstStyle/>
         <a:p>
-          <a:pPr marL="0" lvl="0" indent="0" algn="ctr" defTabSz="1066800">
+          <a:pPr lvl="0" algn="ctr" defTabSz="1066800">
             <a:lnSpc>
               <a:spcPct val="90000"/>
             </a:lnSpc>
@@ -13933,7 +14302,6 @@
             <a:spcAft>
               <a:spcPct val="35000"/>
             </a:spcAft>
-            <a:buNone/>
           </a:pPr>
           <a:r>
             <a:rPr lang="de-DE" sz="2400" kern="1200" dirty="0"/>
@@ -13995,7 +14363,7 @@
         </a:bodyPr>
         <a:lstStyle/>
         <a:p>
-          <a:pPr marL="0" lvl="0" indent="0" algn="ctr" defTabSz="1066800">
+          <a:pPr lvl="0" algn="ctr" defTabSz="1066800">
             <a:lnSpc>
               <a:spcPct val="90000"/>
             </a:lnSpc>
@@ -14005,7 +14373,6 @@
             <a:spcAft>
               <a:spcPct val="35000"/>
             </a:spcAft>
-            <a:buNone/>
           </a:pPr>
           <a:r>
             <a:rPr lang="de-DE" sz="2400" kern="1200" dirty="0"/>
@@ -14067,7 +14434,7 @@
         </a:bodyPr>
         <a:lstStyle/>
         <a:p>
-          <a:pPr marL="0" lvl="0" indent="0" algn="ctr" defTabSz="1066800">
+          <a:pPr lvl="0" algn="ctr" defTabSz="1066800">
             <a:lnSpc>
               <a:spcPct val="90000"/>
             </a:lnSpc>
@@ -14077,7 +14444,6 @@
             <a:spcAft>
               <a:spcPct val="35000"/>
             </a:spcAft>
-            <a:buNone/>
           </a:pPr>
           <a:r>
             <a:rPr lang="de-DE" sz="2400" kern="1200" dirty="0"/>
@@ -14139,7 +14505,7 @@
         </a:bodyPr>
         <a:lstStyle/>
         <a:p>
-          <a:pPr marL="0" lvl="0" indent="0" algn="ctr" defTabSz="1066800">
+          <a:pPr lvl="0" algn="ctr" defTabSz="1066800">
             <a:lnSpc>
               <a:spcPct val="90000"/>
             </a:lnSpc>
@@ -14149,7 +14515,6 @@
             <a:spcAft>
               <a:spcPct val="35000"/>
             </a:spcAft>
-            <a:buNone/>
           </a:pPr>
           <a:r>
             <a:rPr lang="de-DE" sz="2400" kern="1200" dirty="0"/>
@@ -14225,7 +14590,7 @@
         </a:bodyPr>
         <a:lstStyle/>
         <a:p>
-          <a:pPr marL="0" lvl="0" indent="0" algn="ctr" defTabSz="844550">
+          <a:pPr lvl="0" algn="ctr" defTabSz="844550">
             <a:lnSpc>
               <a:spcPct val="90000"/>
             </a:lnSpc>
@@ -14235,7 +14600,6 @@
             <a:spcAft>
               <a:spcPct val="35000"/>
             </a:spcAft>
-            <a:buNone/>
           </a:pPr>
           <a:endParaRPr lang="de-DE" sz="1900" kern="1200" dirty="0"/>
         </a:p>
@@ -14296,7 +14660,7 @@
         </a:bodyPr>
         <a:lstStyle/>
         <a:p>
-          <a:pPr marL="0" lvl="0" indent="0" algn="ctr" defTabSz="355600">
+          <a:pPr lvl="0" algn="ctr" defTabSz="355600">
             <a:lnSpc>
               <a:spcPct val="90000"/>
             </a:lnSpc>
@@ -14306,7 +14670,6 @@
             <a:spcAft>
               <a:spcPct val="35000"/>
             </a:spcAft>
-            <a:buNone/>
           </a:pPr>
           <a:endParaRPr lang="de-DE" sz="800" kern="1200"/>
         </a:p>
@@ -14367,7 +14730,7 @@
         </a:bodyPr>
         <a:lstStyle/>
         <a:p>
-          <a:pPr marL="0" lvl="0" indent="0" algn="ctr" defTabSz="844550">
+          <a:pPr lvl="0" algn="ctr" defTabSz="844550">
             <a:lnSpc>
               <a:spcPct val="90000"/>
             </a:lnSpc>
@@ -14377,7 +14740,6 @@
             <a:spcAft>
               <a:spcPct val="35000"/>
             </a:spcAft>
-            <a:buNone/>
           </a:pPr>
           <a:endParaRPr lang="de-DE" sz="1900" kern="1200" dirty="0"/>
         </a:p>
@@ -14438,7 +14800,7 @@
         </a:bodyPr>
         <a:lstStyle/>
         <a:p>
-          <a:pPr marL="0" lvl="0" indent="0" algn="ctr" defTabSz="355600">
+          <a:pPr lvl="0" algn="ctr" defTabSz="355600">
             <a:lnSpc>
               <a:spcPct val="90000"/>
             </a:lnSpc>
@@ -14448,7 +14810,6 @@
             <a:spcAft>
               <a:spcPct val="35000"/>
             </a:spcAft>
-            <a:buNone/>
           </a:pPr>
           <a:endParaRPr lang="de-DE" sz="800" kern="1200"/>
         </a:p>
@@ -14509,7 +14870,7 @@
         </a:bodyPr>
         <a:lstStyle/>
         <a:p>
-          <a:pPr marL="0" lvl="0" indent="0" algn="ctr" defTabSz="844550">
+          <a:pPr lvl="0" algn="ctr" defTabSz="844550">
             <a:lnSpc>
               <a:spcPct val="90000"/>
             </a:lnSpc>
@@ -14519,7 +14880,6 @@
             <a:spcAft>
               <a:spcPct val="35000"/>
             </a:spcAft>
-            <a:buNone/>
           </a:pPr>
           <a:endParaRPr lang="de-DE" sz="1900" kern="1200" dirty="0"/>
         </a:p>
@@ -14580,7 +14940,7 @@
         </a:bodyPr>
         <a:lstStyle/>
         <a:p>
-          <a:pPr marL="0" lvl="0" indent="0" algn="ctr" defTabSz="355600">
+          <a:pPr lvl="0" algn="ctr" defTabSz="355600">
             <a:lnSpc>
               <a:spcPct val="90000"/>
             </a:lnSpc>
@@ -14590,7 +14950,6 @@
             <a:spcAft>
               <a:spcPct val="35000"/>
             </a:spcAft>
-            <a:buNone/>
           </a:pPr>
           <a:endParaRPr lang="de-DE" sz="800" kern="1200"/>
         </a:p>
@@ -14651,7 +15010,7 @@
         </a:bodyPr>
         <a:lstStyle/>
         <a:p>
-          <a:pPr marL="0" lvl="0" indent="0" algn="ctr" defTabSz="1600200">
+          <a:pPr lvl="0" algn="ctr" defTabSz="1600200">
             <a:lnSpc>
               <a:spcPct val="90000"/>
             </a:lnSpc>
@@ -14661,7 +15020,6 @@
             <a:spcAft>
               <a:spcPct val="35000"/>
             </a:spcAft>
-            <a:buNone/>
           </a:pPr>
           <a:endParaRPr lang="de-DE" sz="3600" kern="1200" dirty="0"/>
         </a:p>
@@ -14722,7 +15080,7 @@
         </a:bodyPr>
         <a:lstStyle/>
         <a:p>
-          <a:pPr marL="0" lvl="0" indent="0" algn="ctr" defTabSz="889000">
+          <a:pPr lvl="0" algn="ctr" defTabSz="889000">
             <a:lnSpc>
               <a:spcPct val="90000"/>
             </a:lnSpc>
@@ -14732,7 +15090,6 @@
             <a:spcAft>
               <a:spcPct val="35000"/>
             </a:spcAft>
-            <a:buNone/>
           </a:pPr>
           <a:endParaRPr lang="de-DE" sz="2000" kern="1200"/>
         </a:p>
@@ -14793,7 +15150,7 @@
         </a:bodyPr>
         <a:lstStyle/>
         <a:p>
-          <a:pPr marL="0" lvl="0" indent="0" algn="ctr" defTabSz="1600200">
+          <a:pPr lvl="0" algn="ctr" defTabSz="1600200">
             <a:lnSpc>
               <a:spcPct val="90000"/>
             </a:lnSpc>
@@ -14803,7 +15160,6 @@
             <a:spcAft>
               <a:spcPct val="35000"/>
             </a:spcAft>
-            <a:buNone/>
           </a:pPr>
           <a:endParaRPr lang="de-DE" sz="3600" kern="1200" dirty="0"/>
         </a:p>
@@ -14874,7 +15230,7 @@
         </a:bodyPr>
         <a:lstStyle/>
         <a:p>
-          <a:pPr marL="0" lvl="0" indent="0" algn="ctr" defTabSz="1066800">
+          <a:pPr lvl="0" algn="ctr" defTabSz="1066800">
             <a:lnSpc>
               <a:spcPct val="90000"/>
             </a:lnSpc>
@@ -14884,7 +15240,6 @@
             <a:spcAft>
               <a:spcPct val="35000"/>
             </a:spcAft>
-            <a:buNone/>
           </a:pPr>
           <a:r>
             <a:rPr lang="de-DE" sz="2400" kern="1200" dirty="0"/>
@@ -14946,7 +15301,7 @@
         </a:bodyPr>
         <a:lstStyle/>
         <a:p>
-          <a:pPr marL="0" lvl="0" indent="0" algn="ctr" defTabSz="1066800">
+          <a:pPr lvl="0" algn="ctr" defTabSz="1066800">
             <a:lnSpc>
               <a:spcPct val="90000"/>
             </a:lnSpc>
@@ -14956,7 +15311,6 @@
             <a:spcAft>
               <a:spcPct val="35000"/>
             </a:spcAft>
-            <a:buNone/>
           </a:pPr>
           <a:r>
             <a:rPr lang="de-DE" sz="2400" kern="1200" dirty="0"/>
@@ -15018,7 +15372,7 @@
         </a:bodyPr>
         <a:lstStyle/>
         <a:p>
-          <a:pPr marL="0" lvl="0" indent="0" algn="ctr" defTabSz="1066800">
+          <a:pPr lvl="0" algn="ctr" defTabSz="1066800">
             <a:lnSpc>
               <a:spcPct val="90000"/>
             </a:lnSpc>
@@ -15028,7 +15382,6 @@
             <a:spcAft>
               <a:spcPct val="35000"/>
             </a:spcAft>
-            <a:buNone/>
           </a:pPr>
           <a:r>
             <a:rPr lang="de-DE" sz="2400" kern="1200" dirty="0"/>
@@ -15090,7 +15443,7 @@
         </a:bodyPr>
         <a:lstStyle/>
         <a:p>
-          <a:pPr marL="0" lvl="0" indent="0" algn="ctr" defTabSz="1066800">
+          <a:pPr lvl="0" algn="ctr" defTabSz="1066800">
             <a:lnSpc>
               <a:spcPct val="90000"/>
             </a:lnSpc>
@@ -15100,7 +15453,6 @@
             <a:spcAft>
               <a:spcPct val="35000"/>
             </a:spcAft>
-            <a:buNone/>
           </a:pPr>
           <a:r>
             <a:rPr lang="de-DE" sz="2400" kern="1200" dirty="0"/>
@@ -15174,7 +15526,7 @@
         </a:bodyPr>
         <a:lstStyle/>
         <a:p>
-          <a:pPr marL="0" lvl="0" indent="0" algn="ctr" defTabSz="1066800">
+          <a:pPr lvl="0" algn="ctr" defTabSz="1066800">
             <a:lnSpc>
               <a:spcPct val="90000"/>
             </a:lnSpc>
@@ -15184,7 +15536,6 @@
             <a:spcAft>
               <a:spcPct val="35000"/>
             </a:spcAft>
-            <a:buNone/>
           </a:pPr>
           <a:r>
             <a:rPr lang="de-DE" sz="2400" kern="1200" dirty="0"/>
@@ -15246,7 +15597,7 @@
         </a:bodyPr>
         <a:lstStyle/>
         <a:p>
-          <a:pPr marL="0" lvl="0" indent="0" algn="ctr" defTabSz="1066800">
+          <a:pPr lvl="0" algn="ctr" defTabSz="1066800">
             <a:lnSpc>
               <a:spcPct val="90000"/>
             </a:lnSpc>
@@ -15256,7 +15607,6 @@
             <a:spcAft>
               <a:spcPct val="35000"/>
             </a:spcAft>
-            <a:buNone/>
           </a:pPr>
           <a:r>
             <a:rPr lang="de-DE" sz="2400" kern="1200" dirty="0"/>
@@ -15318,7 +15668,7 @@
         </a:bodyPr>
         <a:lstStyle/>
         <a:p>
-          <a:pPr marL="0" lvl="0" indent="0" algn="ctr" defTabSz="1066800">
+          <a:pPr lvl="0" algn="ctr" defTabSz="1066800">
             <a:lnSpc>
               <a:spcPct val="90000"/>
             </a:lnSpc>
@@ -15328,7 +15678,6 @@
             <a:spcAft>
               <a:spcPct val="35000"/>
             </a:spcAft>
-            <a:buNone/>
           </a:pPr>
           <a:r>
             <a:rPr lang="de-DE" sz="2400" kern="1200" dirty="0"/>
@@ -15390,7 +15739,7 @@
         </a:bodyPr>
         <a:lstStyle/>
         <a:p>
-          <a:pPr marL="0" lvl="0" indent="0" algn="ctr" defTabSz="1066800">
+          <a:pPr lvl="0" algn="ctr" defTabSz="1066800">
             <a:lnSpc>
               <a:spcPct val="90000"/>
             </a:lnSpc>
@@ -15400,7 +15749,6 @@
             <a:spcAft>
               <a:spcPct val="35000"/>
             </a:spcAft>
-            <a:buNone/>
           </a:pPr>
           <a:r>
             <a:rPr lang="de-DE" sz="2400" kern="1200" dirty="0"/>
@@ -15474,7 +15822,7 @@
         </a:bodyPr>
         <a:lstStyle/>
         <a:p>
-          <a:pPr marL="0" lvl="0" indent="0" algn="ctr" defTabSz="1066800">
+          <a:pPr lvl="0" algn="ctr" defTabSz="1066800">
             <a:lnSpc>
               <a:spcPct val="90000"/>
             </a:lnSpc>
@@ -15484,7 +15832,6 @@
             <a:spcAft>
               <a:spcPct val="35000"/>
             </a:spcAft>
-            <a:buNone/>
           </a:pPr>
           <a:r>
             <a:rPr lang="de-DE" sz="2400" kern="1200" dirty="0"/>
@@ -15546,7 +15893,7 @@
         </a:bodyPr>
         <a:lstStyle/>
         <a:p>
-          <a:pPr marL="0" lvl="0" indent="0" algn="ctr" defTabSz="1066800">
+          <a:pPr lvl="0" algn="ctr" defTabSz="1066800">
             <a:lnSpc>
               <a:spcPct val="90000"/>
             </a:lnSpc>
@@ -15556,7 +15903,6 @@
             <a:spcAft>
               <a:spcPct val="35000"/>
             </a:spcAft>
-            <a:buNone/>
           </a:pPr>
           <a:r>
             <a:rPr lang="de-DE" sz="2400" kern="1200" dirty="0"/>
@@ -15618,7 +15964,7 @@
         </a:bodyPr>
         <a:lstStyle/>
         <a:p>
-          <a:pPr marL="0" lvl="0" indent="0" algn="ctr" defTabSz="1066800">
+          <a:pPr lvl="0" algn="ctr" defTabSz="1066800">
             <a:lnSpc>
               <a:spcPct val="90000"/>
             </a:lnSpc>
@@ -15628,7 +15974,6 @@
             <a:spcAft>
               <a:spcPct val="35000"/>
             </a:spcAft>
-            <a:buNone/>
           </a:pPr>
           <a:r>
             <a:rPr lang="de-DE" sz="2400" kern="1200" dirty="0"/>
@@ -15690,7 +16035,7 @@
         </a:bodyPr>
         <a:lstStyle/>
         <a:p>
-          <a:pPr marL="0" lvl="0" indent="0" algn="ctr" defTabSz="1066800">
+          <a:pPr lvl="0" algn="ctr" defTabSz="1066800">
             <a:lnSpc>
               <a:spcPct val="90000"/>
             </a:lnSpc>
@@ -15700,7 +16045,6 @@
             <a:spcAft>
               <a:spcPct val="35000"/>
             </a:spcAft>
-            <a:buNone/>
           </a:pPr>
           <a:r>
             <a:rPr lang="de-DE" sz="2400" kern="1200" dirty="0"/>
@@ -15774,7 +16118,7 @@
         </a:bodyPr>
         <a:lstStyle/>
         <a:p>
-          <a:pPr marL="0" lvl="0" indent="0" algn="ctr" defTabSz="1066800">
+          <a:pPr lvl="0" algn="ctr" defTabSz="1066800">
             <a:lnSpc>
               <a:spcPct val="90000"/>
             </a:lnSpc>
@@ -15784,7 +16128,6 @@
             <a:spcAft>
               <a:spcPct val="35000"/>
             </a:spcAft>
-            <a:buNone/>
           </a:pPr>
           <a:r>
             <a:rPr lang="de-DE" sz="2400" kern="1200" dirty="0"/>
@@ -15846,7 +16189,7 @@
         </a:bodyPr>
         <a:lstStyle/>
         <a:p>
-          <a:pPr marL="0" lvl="0" indent="0" algn="ctr" defTabSz="1066800">
+          <a:pPr lvl="0" algn="ctr" defTabSz="1066800">
             <a:lnSpc>
               <a:spcPct val="90000"/>
             </a:lnSpc>
@@ -15856,7 +16199,6 @@
             <a:spcAft>
               <a:spcPct val="35000"/>
             </a:spcAft>
-            <a:buNone/>
           </a:pPr>
           <a:r>
             <a:rPr lang="de-DE" sz="2400" kern="1200" dirty="0"/>
@@ -15918,7 +16260,7 @@
         </a:bodyPr>
         <a:lstStyle/>
         <a:p>
-          <a:pPr marL="0" lvl="0" indent="0" algn="ctr" defTabSz="1066800">
+          <a:pPr lvl="0" algn="ctr" defTabSz="1066800">
             <a:lnSpc>
               <a:spcPct val="90000"/>
             </a:lnSpc>
@@ -15928,7 +16270,6 @@
             <a:spcAft>
               <a:spcPct val="35000"/>
             </a:spcAft>
-            <a:buNone/>
           </a:pPr>
           <a:r>
             <a:rPr lang="de-DE" sz="2400" kern="1200" dirty="0"/>
@@ -15990,7 +16331,7 @@
         </a:bodyPr>
         <a:lstStyle/>
         <a:p>
-          <a:pPr marL="0" lvl="0" indent="0" algn="ctr" defTabSz="1066800">
+          <a:pPr lvl="0" algn="ctr" defTabSz="1066800">
             <a:lnSpc>
               <a:spcPct val="90000"/>
             </a:lnSpc>
@@ -16000,7 +16341,6 @@
             <a:spcAft>
               <a:spcPct val="35000"/>
             </a:spcAft>
-            <a:buNone/>
           </a:pPr>
           <a:r>
             <a:rPr lang="de-DE" sz="2400" kern="1200" dirty="0"/>
@@ -16074,7 +16414,7 @@
         </a:bodyPr>
         <a:lstStyle/>
         <a:p>
-          <a:pPr marL="0" lvl="0" indent="0" algn="ctr" defTabSz="1066800">
+          <a:pPr lvl="0" algn="ctr" defTabSz="1066800">
             <a:lnSpc>
               <a:spcPct val="90000"/>
             </a:lnSpc>
@@ -16084,7 +16424,6 @@
             <a:spcAft>
               <a:spcPct val="35000"/>
             </a:spcAft>
-            <a:buNone/>
           </a:pPr>
           <a:r>
             <a:rPr lang="de-DE" sz="2400" kern="1200" dirty="0"/>
@@ -16146,7 +16485,7 @@
         </a:bodyPr>
         <a:lstStyle/>
         <a:p>
-          <a:pPr marL="0" lvl="0" indent="0" algn="ctr" defTabSz="1066800">
+          <a:pPr lvl="0" algn="ctr" defTabSz="1066800">
             <a:lnSpc>
               <a:spcPct val="90000"/>
             </a:lnSpc>
@@ -16156,7 +16495,6 @@
             <a:spcAft>
               <a:spcPct val="35000"/>
             </a:spcAft>
-            <a:buNone/>
           </a:pPr>
           <a:r>
             <a:rPr lang="de-DE" sz="2400" kern="1200" dirty="0"/>
@@ -16218,7 +16556,7 @@
         </a:bodyPr>
         <a:lstStyle/>
         <a:p>
-          <a:pPr marL="0" lvl="0" indent="0" algn="ctr" defTabSz="1066800">
+          <a:pPr lvl="0" algn="ctr" defTabSz="1066800">
             <a:lnSpc>
               <a:spcPct val="90000"/>
             </a:lnSpc>
@@ -16228,7 +16566,6 @@
             <a:spcAft>
               <a:spcPct val="35000"/>
             </a:spcAft>
-            <a:buNone/>
           </a:pPr>
           <a:r>
             <a:rPr lang="de-DE" sz="2400" kern="1200" dirty="0"/>
@@ -16290,7 +16627,7 @@
         </a:bodyPr>
         <a:lstStyle/>
         <a:p>
-          <a:pPr marL="0" lvl="0" indent="0" algn="ctr" defTabSz="1066800">
+          <a:pPr lvl="0" algn="ctr" defTabSz="1066800">
             <a:lnSpc>
               <a:spcPct val="90000"/>
             </a:lnSpc>
@@ -16300,7 +16637,6 @@
             <a:spcAft>
               <a:spcPct val="35000"/>
             </a:spcAft>
-            <a:buNone/>
           </a:pPr>
           <a:r>
             <a:rPr lang="de-DE" sz="2400" kern="1200" dirty="0"/>
@@ -36270,7 +36606,7 @@
           <p:nvPr>
             <p:extLst>
               <p:ext uri="{D42A27DB-BD31-4B8C-83A1-F6EECF244321}">
-                <p14:modId xmlns:p14="http://schemas.microsoft.com/office/powerpoint/2010/main" val="3212012265"/>
+                <p14:modId xmlns:p14="http://schemas.microsoft.com/office/powerpoint/2010/main" val="4079641358"/>
               </p:ext>
             </p:extLst>
           </p:nvPr>
@@ -38267,7 +38603,7 @@
           <a:blip r:embed="rId8">
             <a:extLst>
               <a:ext uri="{96DAC541-7B7A-43D3-8B79-37D633B846F1}">
-                <asvg:svgBlip xmlns:asvg="http://schemas.microsoft.com/office/drawing/2016/SVG/main" r:embed="rId9"/>
+                <asvg:svgBlip xmlns:asvg="http://schemas.microsoft.com/office/drawing/2016/SVG/main" xmlns="" r:embed="rId9"/>
               </a:ext>
             </a:extLst>
           </a:blip>
@@ -38279,66 +38615,6 @@
           <a:xfrm>
             <a:off x="3161990" y="3377404"/>
             <a:ext cx="648413" cy="734052"/>
-          </a:xfrm>
-          <a:prstGeom prst="rect">
-            <a:avLst/>
-          </a:prstGeom>
-        </p:spPr>
-      </p:pic>
-      <p:pic>
-        <p:nvPicPr>
-          <p:cNvPr id="29" name="Grafik 28">
-            <a:extLst>
-              <a:ext uri="{FF2B5EF4-FFF2-40B4-BE49-F238E27FC236}">
-                <a16:creationId xmlns:a16="http://schemas.microsoft.com/office/drawing/2014/main" id="{4BEE833D-BB0F-4D69-85AA-5625FFF5C618}"/>
-              </a:ext>
-            </a:extLst>
-          </p:cNvPr>
-          <p:cNvPicPr>
-            <a:picLocks noChangeAspect="1"/>
-          </p:cNvPicPr>
-          <p:nvPr/>
-        </p:nvPicPr>
-        <p:blipFill>
-          <a:blip r:embed="rId10"/>
-          <a:stretch>
-            <a:fillRect/>
-          </a:stretch>
-        </p:blipFill>
-        <p:spPr>
-          <a:xfrm>
-            <a:off x="4677509" y="3502510"/>
-            <a:ext cx="518466" cy="473770"/>
-          </a:xfrm>
-          <a:prstGeom prst="rect">
-            <a:avLst/>
-          </a:prstGeom>
-        </p:spPr>
-      </p:pic>
-      <p:pic>
-        <p:nvPicPr>
-          <p:cNvPr id="30" name="Grafik 29">
-            <a:extLst>
-              <a:ext uri="{FF2B5EF4-FFF2-40B4-BE49-F238E27FC236}">
-                <a16:creationId xmlns:a16="http://schemas.microsoft.com/office/drawing/2014/main" id="{576FD57B-693D-447F-A612-336DD3537909}"/>
-              </a:ext>
-            </a:extLst>
-          </p:cNvPr>
-          <p:cNvPicPr>
-            <a:picLocks noChangeAspect="1"/>
-          </p:cNvPicPr>
-          <p:nvPr/>
-        </p:nvPicPr>
-        <p:blipFill>
-          <a:blip r:embed="rId11"/>
-          <a:stretch>
-            <a:fillRect/>
-          </a:stretch>
-        </p:blipFill>
-        <p:spPr>
-          <a:xfrm>
-            <a:off x="6156221" y="3471343"/>
-            <a:ext cx="530108" cy="550838"/>
           </a:xfrm>
           <a:prstGeom prst="rect">
             <a:avLst/>
@@ -38360,7 +38636,7 @@
           <p:nvPr/>
         </p:nvPicPr>
         <p:blipFill>
-          <a:blip r:embed="rId12"/>
+          <a:blip r:embed="rId10"/>
           <a:stretch>
             <a:fillRect/>
           </a:stretch>
@@ -38369,6 +38645,66 @@
           <a:xfrm>
             <a:off x="7612485" y="2660699"/>
             <a:ext cx="1614055" cy="2251593"/>
+          </a:xfrm>
+          <a:prstGeom prst="rect">
+            <a:avLst/>
+          </a:prstGeom>
+        </p:spPr>
+      </p:pic>
+      <p:pic>
+        <p:nvPicPr>
+          <p:cNvPr id="5" name="Grafik 4"/>
+          <p:cNvPicPr>
+            <a:picLocks noChangeAspect="1"/>
+          </p:cNvPicPr>
+          <p:nvPr/>
+        </p:nvPicPr>
+        <p:blipFill>
+          <a:blip r:embed="rId11">
+            <a:extLst>
+              <a:ext uri="{28A0092B-C50C-407E-A947-70E740481C1C}">
+                <a14:useLocalDpi xmlns:a14="http://schemas.microsoft.com/office/drawing/2010/main" val="0"/>
+              </a:ext>
+            </a:extLst>
+          </a:blip>
+          <a:stretch>
+            <a:fillRect/>
+          </a:stretch>
+        </p:blipFill>
+        <p:spPr>
+          <a:xfrm>
+            <a:off x="4510459" y="3358573"/>
+            <a:ext cx="937353" cy="855844"/>
+          </a:xfrm>
+          <a:prstGeom prst="rect">
+            <a:avLst/>
+          </a:prstGeom>
+        </p:spPr>
+      </p:pic>
+      <p:pic>
+        <p:nvPicPr>
+          <p:cNvPr id="6" name="Grafik 5"/>
+          <p:cNvPicPr>
+            <a:picLocks noChangeAspect="1"/>
+          </p:cNvPicPr>
+          <p:nvPr/>
+        </p:nvPicPr>
+        <p:blipFill>
+          <a:blip r:embed="rId12">
+            <a:extLst>
+              <a:ext uri="{28A0092B-C50C-407E-A947-70E740481C1C}">
+                <a14:useLocalDpi xmlns:a14="http://schemas.microsoft.com/office/drawing/2010/main" val="0"/>
+              </a:ext>
+            </a:extLst>
+          </a:blip>
+          <a:stretch>
+            <a:fillRect/>
+          </a:stretch>
+        </p:blipFill>
+        <p:spPr>
+          <a:xfrm>
+            <a:off x="6164130" y="3439188"/>
+            <a:ext cx="533474" cy="552527"/>
           </a:xfrm>
           <a:prstGeom prst="rect">
             <a:avLst/>
